--- a/docs/papers/journal papers/IEEE TAC Technical Note/fig/general procedure.pptx
+++ b/docs/papers/journal papers/IEEE TAC Technical Note/fig/general procedure.pptx
@@ -208,7 +208,7 @@
           <a:p>
             <a:fld id="{BAE0E5B3-707C-4AC4-95EC-D94D298F9255}" type="datetimeFigureOut">
               <a:rPr lang="en-US" smtClean="0"/>
-              <a:t>09/16/15</a:t>
+              <a:t>4/18/2016</a:t>
             </a:fld>
             <a:endParaRPr lang="en-US"/>
           </a:p>
@@ -272,38 +272,37 @@
           <a:p>
             <a:pPr lvl="0"/>
             <a:r>
-              <a:rPr lang="en-US" smtClean="0"/>
+              <a:rPr lang="en-US"/>
               <a:t>Click to edit Master text styles</a:t>
             </a:r>
           </a:p>
           <a:p>
             <a:pPr lvl="1"/>
             <a:r>
-              <a:rPr lang="en-US" smtClean="0"/>
+              <a:rPr lang="en-US"/>
               <a:t>Second level</a:t>
             </a:r>
           </a:p>
           <a:p>
             <a:pPr lvl="2"/>
             <a:r>
-              <a:rPr lang="en-US" smtClean="0"/>
+              <a:rPr lang="en-US"/>
               <a:t>Third level</a:t>
             </a:r>
           </a:p>
           <a:p>
             <a:pPr lvl="3"/>
             <a:r>
-              <a:rPr lang="en-US" smtClean="0"/>
+              <a:rPr lang="en-US"/>
               <a:t>Fourth level</a:t>
             </a:r>
           </a:p>
           <a:p>
             <a:pPr lvl="4"/>
             <a:r>
-              <a:rPr lang="en-US" smtClean="0"/>
+              <a:rPr lang="en-US"/>
               <a:t>Fifth level</a:t>
             </a:r>
-            <a:endParaRPr lang="en-US"/>
           </a:p>
         </p:txBody>
       </p:sp>
@@ -603,10 +602,9 @@
           <a:lstStyle/>
           <a:p>
             <a:r>
-              <a:rPr lang="en-US" smtClean="0"/>
+              <a:rPr lang="en-US"/>
               <a:t>Click to edit Master title style</a:t>
             </a:r>
-            <a:endParaRPr lang="en-US"/>
           </a:p>
         </p:txBody>
       </p:sp>
@@ -722,10 +720,9 @@
           </a:lstStyle>
           <a:p>
             <a:r>
-              <a:rPr lang="en-US" smtClean="0"/>
+              <a:rPr lang="en-US"/>
               <a:t>Click to edit Master subtitle style</a:t>
             </a:r>
-            <a:endParaRPr lang="en-US"/>
           </a:p>
         </p:txBody>
       </p:sp>
@@ -746,7 +743,7 @@
           <a:p>
             <a:fld id="{6EF470AC-9124-4AE2-AF64-8F391ADE0642}" type="datetimeFigureOut">
               <a:rPr lang="en-US" smtClean="0"/>
-              <a:t>09/16/15</a:t>
+              <a:t>4/18/2016</a:t>
             </a:fld>
             <a:endParaRPr lang="en-US"/>
           </a:p>
@@ -840,10 +837,9 @@
           <a:lstStyle/>
           <a:p>
             <a:r>
-              <a:rPr lang="en-US" smtClean="0"/>
+              <a:rPr lang="en-US"/>
               <a:t>Click to edit Master title style</a:t>
             </a:r>
-            <a:endParaRPr lang="en-US"/>
           </a:p>
         </p:txBody>
       </p:sp>
@@ -864,38 +860,37 @@
           <a:p>
             <a:pPr lvl="0"/>
             <a:r>
-              <a:rPr lang="en-US" smtClean="0"/>
+              <a:rPr lang="en-US"/>
               <a:t>Click to edit Master text styles</a:t>
             </a:r>
           </a:p>
           <a:p>
             <a:pPr lvl="1"/>
             <a:r>
-              <a:rPr lang="en-US" smtClean="0"/>
+              <a:rPr lang="en-US"/>
               <a:t>Second level</a:t>
             </a:r>
           </a:p>
           <a:p>
             <a:pPr lvl="2"/>
             <a:r>
-              <a:rPr lang="en-US" smtClean="0"/>
+              <a:rPr lang="en-US"/>
               <a:t>Third level</a:t>
             </a:r>
           </a:p>
           <a:p>
             <a:pPr lvl="3"/>
             <a:r>
-              <a:rPr lang="en-US" smtClean="0"/>
+              <a:rPr lang="en-US"/>
               <a:t>Fourth level</a:t>
             </a:r>
           </a:p>
           <a:p>
             <a:pPr lvl="4"/>
             <a:r>
-              <a:rPr lang="en-US" smtClean="0"/>
+              <a:rPr lang="en-US"/>
               <a:t>Fifth level</a:t>
             </a:r>
-            <a:endParaRPr lang="en-US"/>
           </a:p>
         </p:txBody>
       </p:sp>
@@ -916,7 +911,7 @@
           <a:p>
             <a:fld id="{6EF470AC-9124-4AE2-AF64-8F391ADE0642}" type="datetimeFigureOut">
               <a:rPr lang="en-US" smtClean="0"/>
-              <a:t>09/16/15</a:t>
+              <a:t>4/18/2016</a:t>
             </a:fld>
             <a:endParaRPr lang="en-US"/>
           </a:p>
@@ -1015,10 +1010,9 @@
           <a:lstStyle/>
           <a:p>
             <a:r>
-              <a:rPr lang="en-US" smtClean="0"/>
+              <a:rPr lang="en-US"/>
               <a:t>Click to edit Master title style</a:t>
             </a:r>
-            <a:endParaRPr lang="en-US"/>
           </a:p>
         </p:txBody>
       </p:sp>
@@ -1044,38 +1038,37 @@
           <a:p>
             <a:pPr lvl="0"/>
             <a:r>
-              <a:rPr lang="en-US" smtClean="0"/>
+              <a:rPr lang="en-US"/>
               <a:t>Click to edit Master text styles</a:t>
             </a:r>
           </a:p>
           <a:p>
             <a:pPr lvl="1"/>
             <a:r>
-              <a:rPr lang="en-US" smtClean="0"/>
+              <a:rPr lang="en-US"/>
               <a:t>Second level</a:t>
             </a:r>
           </a:p>
           <a:p>
             <a:pPr lvl="2"/>
             <a:r>
-              <a:rPr lang="en-US" smtClean="0"/>
+              <a:rPr lang="en-US"/>
               <a:t>Third level</a:t>
             </a:r>
           </a:p>
           <a:p>
             <a:pPr lvl="3"/>
             <a:r>
-              <a:rPr lang="en-US" smtClean="0"/>
+              <a:rPr lang="en-US"/>
               <a:t>Fourth level</a:t>
             </a:r>
           </a:p>
           <a:p>
             <a:pPr lvl="4"/>
             <a:r>
-              <a:rPr lang="en-US" smtClean="0"/>
+              <a:rPr lang="en-US"/>
               <a:t>Fifth level</a:t>
             </a:r>
-            <a:endParaRPr lang="en-US"/>
           </a:p>
         </p:txBody>
       </p:sp>
@@ -1096,7 +1089,7 @@
           <a:p>
             <a:fld id="{6EF470AC-9124-4AE2-AF64-8F391ADE0642}" type="datetimeFigureOut">
               <a:rPr lang="en-US" smtClean="0"/>
-              <a:t>09/16/15</a:t>
+              <a:t>4/18/2016</a:t>
             </a:fld>
             <a:endParaRPr lang="en-US"/>
           </a:p>
@@ -1190,10 +1183,9 @@
           <a:lstStyle/>
           <a:p>
             <a:r>
-              <a:rPr lang="en-US" smtClean="0"/>
+              <a:rPr lang="en-US"/>
               <a:t>Click to edit Master title style</a:t>
             </a:r>
-            <a:endParaRPr lang="en-US"/>
           </a:p>
         </p:txBody>
       </p:sp>
@@ -1214,38 +1206,37 @@
           <a:p>
             <a:pPr lvl="0"/>
             <a:r>
-              <a:rPr lang="en-US" smtClean="0"/>
+              <a:rPr lang="en-US"/>
               <a:t>Click to edit Master text styles</a:t>
             </a:r>
           </a:p>
           <a:p>
             <a:pPr lvl="1"/>
             <a:r>
-              <a:rPr lang="en-US" smtClean="0"/>
+              <a:rPr lang="en-US"/>
               <a:t>Second level</a:t>
             </a:r>
           </a:p>
           <a:p>
             <a:pPr lvl="2"/>
             <a:r>
-              <a:rPr lang="en-US" smtClean="0"/>
+              <a:rPr lang="en-US"/>
               <a:t>Third level</a:t>
             </a:r>
           </a:p>
           <a:p>
             <a:pPr lvl="3"/>
             <a:r>
-              <a:rPr lang="en-US" smtClean="0"/>
+              <a:rPr lang="en-US"/>
               <a:t>Fourth level</a:t>
             </a:r>
           </a:p>
           <a:p>
             <a:pPr lvl="4"/>
             <a:r>
-              <a:rPr lang="en-US" smtClean="0"/>
+              <a:rPr lang="en-US"/>
               <a:t>Fifth level</a:t>
             </a:r>
-            <a:endParaRPr lang="en-US"/>
           </a:p>
         </p:txBody>
       </p:sp>
@@ -1266,7 +1257,7 @@
           <a:p>
             <a:fld id="{6EF470AC-9124-4AE2-AF64-8F391ADE0642}" type="datetimeFigureOut">
               <a:rPr lang="en-US" smtClean="0"/>
-              <a:t>09/16/15</a:t>
+              <a:t>4/18/2016</a:t>
             </a:fld>
             <a:endParaRPr lang="en-US"/>
           </a:p>
@@ -1369,10 +1360,9 @@
           </a:lstStyle>
           <a:p>
             <a:r>
-              <a:rPr lang="en-US" smtClean="0"/>
+              <a:rPr lang="en-US"/>
               <a:t>Click to edit Master title style</a:t>
             </a:r>
-            <a:endParaRPr lang="en-US"/>
           </a:p>
         </p:txBody>
       </p:sp>
@@ -1489,7 +1479,7 @@
           <a:p>
             <a:pPr lvl="0"/>
             <a:r>
-              <a:rPr lang="en-US" smtClean="0"/>
+              <a:rPr lang="en-US"/>
               <a:t>Click to edit Master text styles</a:t>
             </a:r>
           </a:p>
@@ -1512,7 +1502,7 @@
           <a:p>
             <a:fld id="{6EF470AC-9124-4AE2-AF64-8F391ADE0642}" type="datetimeFigureOut">
               <a:rPr lang="en-US" smtClean="0"/>
-              <a:t>09/16/15</a:t>
+              <a:t>4/18/2016</a:t>
             </a:fld>
             <a:endParaRPr lang="en-US"/>
           </a:p>
@@ -1606,10 +1596,9 @@
           <a:lstStyle/>
           <a:p>
             <a:r>
-              <a:rPr lang="en-US" smtClean="0"/>
+              <a:rPr lang="en-US"/>
               <a:t>Click to edit Master title style</a:t>
             </a:r>
-            <a:endParaRPr lang="en-US"/>
           </a:p>
         </p:txBody>
       </p:sp>
@@ -1663,38 +1652,37 @@
           <a:p>
             <a:pPr lvl="0"/>
             <a:r>
-              <a:rPr lang="en-US" smtClean="0"/>
+              <a:rPr lang="en-US"/>
               <a:t>Click to edit Master text styles</a:t>
             </a:r>
           </a:p>
           <a:p>
             <a:pPr lvl="1"/>
             <a:r>
-              <a:rPr lang="en-US" smtClean="0"/>
+              <a:rPr lang="en-US"/>
               <a:t>Second level</a:t>
             </a:r>
           </a:p>
           <a:p>
             <a:pPr lvl="2"/>
             <a:r>
-              <a:rPr lang="en-US" smtClean="0"/>
+              <a:rPr lang="en-US"/>
               <a:t>Third level</a:t>
             </a:r>
           </a:p>
           <a:p>
             <a:pPr lvl="3"/>
             <a:r>
-              <a:rPr lang="en-US" smtClean="0"/>
+              <a:rPr lang="en-US"/>
               <a:t>Fourth level</a:t>
             </a:r>
           </a:p>
           <a:p>
             <a:pPr lvl="4"/>
             <a:r>
-              <a:rPr lang="en-US" smtClean="0"/>
+              <a:rPr lang="en-US"/>
               <a:t>Fifth level</a:t>
             </a:r>
-            <a:endParaRPr lang="en-US"/>
           </a:p>
         </p:txBody>
       </p:sp>
@@ -1748,38 +1736,37 @@
           <a:p>
             <a:pPr lvl="0"/>
             <a:r>
-              <a:rPr lang="en-US" smtClean="0"/>
+              <a:rPr lang="en-US"/>
               <a:t>Click to edit Master text styles</a:t>
             </a:r>
           </a:p>
           <a:p>
             <a:pPr lvl="1"/>
             <a:r>
-              <a:rPr lang="en-US" smtClean="0"/>
+              <a:rPr lang="en-US"/>
               <a:t>Second level</a:t>
             </a:r>
           </a:p>
           <a:p>
             <a:pPr lvl="2"/>
             <a:r>
-              <a:rPr lang="en-US" smtClean="0"/>
+              <a:rPr lang="en-US"/>
               <a:t>Third level</a:t>
             </a:r>
           </a:p>
           <a:p>
             <a:pPr lvl="3"/>
             <a:r>
-              <a:rPr lang="en-US" smtClean="0"/>
+              <a:rPr lang="en-US"/>
               <a:t>Fourth level</a:t>
             </a:r>
           </a:p>
           <a:p>
             <a:pPr lvl="4"/>
             <a:r>
-              <a:rPr lang="en-US" smtClean="0"/>
+              <a:rPr lang="en-US"/>
               <a:t>Fifth level</a:t>
             </a:r>
-            <a:endParaRPr lang="en-US"/>
           </a:p>
         </p:txBody>
       </p:sp>
@@ -1800,7 +1787,7 @@
           <a:p>
             <a:fld id="{6EF470AC-9124-4AE2-AF64-8F391ADE0642}" type="datetimeFigureOut">
               <a:rPr lang="en-US" smtClean="0"/>
-              <a:t>09/16/15</a:t>
+              <a:t>4/18/2016</a:t>
             </a:fld>
             <a:endParaRPr lang="en-US"/>
           </a:p>
@@ -1898,10 +1885,9 @@
           </a:lstStyle>
           <a:p>
             <a:r>
-              <a:rPr lang="en-US" smtClean="0"/>
+              <a:rPr lang="en-US"/>
               <a:t>Click to edit Master title style</a:t>
             </a:r>
-            <a:endParaRPr lang="en-US"/>
           </a:p>
         </p:txBody>
       </p:sp>
@@ -1964,7 +1950,7 @@
           <a:p>
             <a:pPr lvl="0"/>
             <a:r>
-              <a:rPr lang="en-US" smtClean="0"/>
+              <a:rPr lang="en-US"/>
               <a:t>Click to edit Master text styles</a:t>
             </a:r>
           </a:p>
@@ -2020,38 +2006,37 @@
           <a:p>
             <a:pPr lvl="0"/>
             <a:r>
-              <a:rPr lang="en-US" smtClean="0"/>
+              <a:rPr lang="en-US"/>
               <a:t>Click to edit Master text styles</a:t>
             </a:r>
           </a:p>
           <a:p>
             <a:pPr lvl="1"/>
             <a:r>
-              <a:rPr lang="en-US" smtClean="0"/>
+              <a:rPr lang="en-US"/>
               <a:t>Second level</a:t>
             </a:r>
           </a:p>
           <a:p>
             <a:pPr lvl="2"/>
             <a:r>
-              <a:rPr lang="en-US" smtClean="0"/>
+              <a:rPr lang="en-US"/>
               <a:t>Third level</a:t>
             </a:r>
           </a:p>
           <a:p>
             <a:pPr lvl="3"/>
             <a:r>
-              <a:rPr lang="en-US" smtClean="0"/>
+              <a:rPr lang="en-US"/>
               <a:t>Fourth level</a:t>
             </a:r>
           </a:p>
           <a:p>
             <a:pPr lvl="4"/>
             <a:r>
-              <a:rPr lang="en-US" smtClean="0"/>
+              <a:rPr lang="en-US"/>
               <a:t>Fifth level</a:t>
             </a:r>
-            <a:endParaRPr lang="en-US"/>
           </a:p>
         </p:txBody>
       </p:sp>
@@ -2114,7 +2099,7 @@
           <a:p>
             <a:pPr lvl="0"/>
             <a:r>
-              <a:rPr lang="en-US" smtClean="0"/>
+              <a:rPr lang="en-US"/>
               <a:t>Click to edit Master text styles</a:t>
             </a:r>
           </a:p>
@@ -2170,38 +2155,37 @@
           <a:p>
             <a:pPr lvl="0"/>
             <a:r>
-              <a:rPr lang="en-US" smtClean="0"/>
+              <a:rPr lang="en-US"/>
               <a:t>Click to edit Master text styles</a:t>
             </a:r>
           </a:p>
           <a:p>
             <a:pPr lvl="1"/>
             <a:r>
-              <a:rPr lang="en-US" smtClean="0"/>
+              <a:rPr lang="en-US"/>
               <a:t>Second level</a:t>
             </a:r>
           </a:p>
           <a:p>
             <a:pPr lvl="2"/>
             <a:r>
-              <a:rPr lang="en-US" smtClean="0"/>
+              <a:rPr lang="en-US"/>
               <a:t>Third level</a:t>
             </a:r>
           </a:p>
           <a:p>
             <a:pPr lvl="3"/>
             <a:r>
-              <a:rPr lang="en-US" smtClean="0"/>
+              <a:rPr lang="en-US"/>
               <a:t>Fourth level</a:t>
             </a:r>
           </a:p>
           <a:p>
             <a:pPr lvl="4"/>
             <a:r>
-              <a:rPr lang="en-US" smtClean="0"/>
+              <a:rPr lang="en-US"/>
               <a:t>Fifth level</a:t>
             </a:r>
-            <a:endParaRPr lang="en-US"/>
           </a:p>
         </p:txBody>
       </p:sp>
@@ -2222,7 +2206,7 @@
           <a:p>
             <a:fld id="{6EF470AC-9124-4AE2-AF64-8F391ADE0642}" type="datetimeFigureOut">
               <a:rPr lang="en-US" smtClean="0"/>
-              <a:t>09/16/15</a:t>
+              <a:t>4/18/2016</a:t>
             </a:fld>
             <a:endParaRPr lang="en-US"/>
           </a:p>
@@ -2316,10 +2300,9 @@
           <a:lstStyle/>
           <a:p>
             <a:r>
-              <a:rPr lang="en-US" smtClean="0"/>
+              <a:rPr lang="en-US"/>
               <a:t>Click to edit Master title style</a:t>
             </a:r>
-            <a:endParaRPr lang="en-US"/>
           </a:p>
         </p:txBody>
       </p:sp>
@@ -2340,7 +2323,7 @@
           <a:p>
             <a:fld id="{6EF470AC-9124-4AE2-AF64-8F391ADE0642}" type="datetimeFigureOut">
               <a:rPr lang="en-US" smtClean="0"/>
-              <a:t>09/16/15</a:t>
+              <a:t>4/18/2016</a:t>
             </a:fld>
             <a:endParaRPr lang="en-US"/>
           </a:p>
@@ -2435,7 +2418,7 @@
           <a:p>
             <a:fld id="{6EF470AC-9124-4AE2-AF64-8F391ADE0642}" type="datetimeFigureOut">
               <a:rPr lang="en-US" smtClean="0"/>
-              <a:t>09/16/15</a:t>
+              <a:t>4/18/2016</a:t>
             </a:fld>
             <a:endParaRPr lang="en-US"/>
           </a:p>
@@ -2538,10 +2521,9 @@
           </a:lstStyle>
           <a:p>
             <a:r>
-              <a:rPr lang="en-US" smtClean="0"/>
+              <a:rPr lang="en-US"/>
               <a:t>Click to edit Master title style</a:t>
             </a:r>
-            <a:endParaRPr lang="en-US"/>
           </a:p>
         </p:txBody>
       </p:sp>
@@ -2595,38 +2577,37 @@
           <a:p>
             <a:pPr lvl="0"/>
             <a:r>
-              <a:rPr lang="en-US" smtClean="0"/>
+              <a:rPr lang="en-US"/>
               <a:t>Click to edit Master text styles</a:t>
             </a:r>
           </a:p>
           <a:p>
             <a:pPr lvl="1"/>
             <a:r>
-              <a:rPr lang="en-US" smtClean="0"/>
+              <a:rPr lang="en-US"/>
               <a:t>Second level</a:t>
             </a:r>
           </a:p>
           <a:p>
             <a:pPr lvl="2"/>
             <a:r>
-              <a:rPr lang="en-US" smtClean="0"/>
+              <a:rPr lang="en-US"/>
               <a:t>Third level</a:t>
             </a:r>
           </a:p>
           <a:p>
             <a:pPr lvl="3"/>
             <a:r>
-              <a:rPr lang="en-US" smtClean="0"/>
+              <a:rPr lang="en-US"/>
               <a:t>Fourth level</a:t>
             </a:r>
           </a:p>
           <a:p>
             <a:pPr lvl="4"/>
             <a:r>
-              <a:rPr lang="en-US" smtClean="0"/>
+              <a:rPr lang="en-US"/>
               <a:t>Fifth level</a:t>
             </a:r>
-            <a:endParaRPr lang="en-US"/>
           </a:p>
         </p:txBody>
       </p:sp>
@@ -2689,7 +2670,7 @@
           <a:p>
             <a:pPr lvl="0"/>
             <a:r>
-              <a:rPr lang="en-US" smtClean="0"/>
+              <a:rPr lang="en-US"/>
               <a:t>Click to edit Master text styles</a:t>
             </a:r>
           </a:p>
@@ -2712,7 +2693,7 @@
           <a:p>
             <a:fld id="{6EF470AC-9124-4AE2-AF64-8F391ADE0642}" type="datetimeFigureOut">
               <a:rPr lang="en-US" smtClean="0"/>
-              <a:t>09/16/15</a:t>
+              <a:t>4/18/2016</a:t>
             </a:fld>
             <a:endParaRPr lang="en-US"/>
           </a:p>
@@ -2815,10 +2796,9 @@
           </a:lstStyle>
           <a:p>
             <a:r>
-              <a:rPr lang="en-US" smtClean="0"/>
+              <a:rPr lang="en-US"/>
               <a:t>Click to edit Master title style</a:t>
             </a:r>
-            <a:endParaRPr lang="en-US"/>
           </a:p>
         </p:txBody>
       </p:sp>
@@ -2942,7 +2922,7 @@
           <a:p>
             <a:pPr lvl="0"/>
             <a:r>
-              <a:rPr lang="en-US" smtClean="0"/>
+              <a:rPr lang="en-US"/>
               <a:t>Click to edit Master text styles</a:t>
             </a:r>
           </a:p>
@@ -2965,7 +2945,7 @@
           <a:p>
             <a:fld id="{6EF470AC-9124-4AE2-AF64-8F391ADE0642}" type="datetimeFigureOut">
               <a:rPr lang="en-US" smtClean="0"/>
-              <a:t>09/16/15</a:t>
+              <a:t>4/18/2016</a:t>
             </a:fld>
             <a:endParaRPr lang="en-US"/>
           </a:p>
@@ -3074,10 +3054,9 @@
           <a:lstStyle/>
           <a:p>
             <a:r>
-              <a:rPr lang="en-US" smtClean="0"/>
+              <a:rPr lang="en-US"/>
               <a:t>Click to edit Master title style</a:t>
             </a:r>
-            <a:endParaRPr lang="en-US"/>
           </a:p>
         </p:txBody>
       </p:sp>
@@ -3108,38 +3087,37 @@
           <a:p>
             <a:pPr lvl="0"/>
             <a:r>
-              <a:rPr lang="en-US" smtClean="0"/>
+              <a:rPr lang="en-US"/>
               <a:t>Click to edit Master text styles</a:t>
             </a:r>
           </a:p>
           <a:p>
             <a:pPr lvl="1"/>
             <a:r>
-              <a:rPr lang="en-US" smtClean="0"/>
+              <a:rPr lang="en-US"/>
               <a:t>Second level</a:t>
             </a:r>
           </a:p>
           <a:p>
             <a:pPr lvl="2"/>
             <a:r>
-              <a:rPr lang="en-US" smtClean="0"/>
+              <a:rPr lang="en-US"/>
               <a:t>Third level</a:t>
             </a:r>
           </a:p>
           <a:p>
             <a:pPr lvl="3"/>
             <a:r>
-              <a:rPr lang="en-US" smtClean="0"/>
+              <a:rPr lang="en-US"/>
               <a:t>Fourth level</a:t>
             </a:r>
           </a:p>
           <a:p>
             <a:pPr lvl="4"/>
             <a:r>
-              <a:rPr lang="en-US" smtClean="0"/>
+              <a:rPr lang="en-US"/>
               <a:t>Fifth level</a:t>
             </a:r>
-            <a:endParaRPr lang="en-US"/>
           </a:p>
         </p:txBody>
       </p:sp>
@@ -3178,7 +3156,7 @@
           <a:p>
             <a:fld id="{6EF470AC-9124-4AE2-AF64-8F391ADE0642}" type="datetimeFigureOut">
               <a:rPr lang="en-US" smtClean="0"/>
-              <a:t>09/16/15</a:t>
+              <a:t>4/18/2016</a:t>
             </a:fld>
             <a:endParaRPr lang="en-US"/>
           </a:p>
@@ -3556,13 +3534,15 @@
       <p:cxnSp>
         <p:nvCxnSpPr>
           <p:cNvPr id="47" name="Straight Connector 46"/>
-          <p:cNvCxnSpPr/>
+          <p:cNvCxnSpPr>
+            <a:endCxn id="107" idx="4"/>
+          </p:cNvCxnSpPr>
           <p:nvPr/>
         </p:nvCxnSpPr>
         <p:spPr>
           <a:xfrm>
             <a:off x="645474" y="437681"/>
-            <a:ext cx="2618508" cy="894717"/>
+            <a:ext cx="2482482" cy="1274787"/>
           </a:xfrm>
           <a:prstGeom prst="line">
             <a:avLst/>
@@ -3586,13 +3566,15 @@
       <p:cxnSp>
         <p:nvCxnSpPr>
           <p:cNvPr id="48" name="Straight Connector 47"/>
-          <p:cNvCxnSpPr/>
+          <p:cNvCxnSpPr>
+            <a:endCxn id="77" idx="4"/>
+          </p:cNvCxnSpPr>
           <p:nvPr/>
         </p:nvCxnSpPr>
         <p:spPr>
           <a:xfrm>
             <a:off x="617768" y="1332397"/>
-            <a:ext cx="2646214" cy="914400"/>
+            <a:ext cx="2506432" cy="1341294"/>
           </a:xfrm>
           <a:prstGeom prst="line">
             <a:avLst/>
@@ -3616,13 +3598,15 @@
       <p:cxnSp>
         <p:nvCxnSpPr>
           <p:cNvPr id="49" name="Straight Connector 48"/>
-          <p:cNvCxnSpPr/>
+          <p:cNvCxnSpPr>
+            <a:endCxn id="109" idx="2"/>
+          </p:cNvCxnSpPr>
           <p:nvPr/>
         </p:nvCxnSpPr>
         <p:spPr>
           <a:xfrm flipV="1">
-            <a:off x="637854" y="486175"/>
-            <a:ext cx="2626128" cy="2700657"/>
+            <a:off x="637854" y="1056635"/>
+            <a:ext cx="2618771" cy="2130198"/>
           </a:xfrm>
           <a:prstGeom prst="line">
             <a:avLst/>
@@ -3646,43 +3630,15 @@
       <p:cxnSp>
         <p:nvCxnSpPr>
           <p:cNvPr id="50" name="Straight Connector 49"/>
-          <p:cNvCxnSpPr/>
+          <p:cNvCxnSpPr>
+            <a:endCxn id="77" idx="3"/>
+          </p:cNvCxnSpPr>
           <p:nvPr/>
         </p:nvCxnSpPr>
         <p:spPr>
           <a:xfrm>
             <a:off x="645474" y="2272430"/>
-            <a:ext cx="2598420" cy="22860"/>
-          </a:xfrm>
-          <a:prstGeom prst="line">
-            <a:avLst/>
-          </a:prstGeom>
-        </p:spPr>
-        <p:style>
-          <a:lnRef idx="1">
-            <a:schemeClr val="accent1"/>
-          </a:lnRef>
-          <a:fillRef idx="0">
-            <a:schemeClr val="accent1"/>
-          </a:fillRef>
-          <a:effectRef idx="0">
-            <a:schemeClr val="accent1"/>
-          </a:effectRef>
-          <a:fontRef idx="minor">
-            <a:schemeClr val="tx1"/>
-          </a:fontRef>
-        </p:style>
-      </p:cxnSp>
-      <p:cxnSp>
-        <p:nvCxnSpPr>
-          <p:cNvPr id="51" name="Straight Connector 50"/>
-          <p:cNvCxnSpPr/>
-          <p:nvPr/>
-        </p:nvCxnSpPr>
-        <p:spPr>
-          <a:xfrm flipH="1" flipV="1">
-            <a:off x="617768" y="1429383"/>
-            <a:ext cx="2646214" cy="1708954"/>
+            <a:ext cx="2478726" cy="552137"/>
           </a:xfrm>
           <a:prstGeom prst="line">
             <a:avLst/>
@@ -3706,13 +3662,15 @@
       <p:cxnSp>
         <p:nvCxnSpPr>
           <p:cNvPr id="52" name="Straight Connector 51"/>
-          <p:cNvCxnSpPr/>
+          <p:cNvCxnSpPr>
+            <a:stCxn id="109" idx="3"/>
+          </p:cNvCxnSpPr>
           <p:nvPr/>
         </p:nvCxnSpPr>
         <p:spPr>
           <a:xfrm flipH="1">
-            <a:off x="617767" y="437681"/>
-            <a:ext cx="2626128" cy="894717"/>
+            <a:off x="617767" y="981197"/>
+            <a:ext cx="2510842" cy="351201"/>
           </a:xfrm>
           <a:prstGeom prst="line">
             <a:avLst/>
@@ -3756,133 +3714,12 @@
           <a:lstStyle/>
           <a:p>
             <a:r>
-              <a:rPr lang="en-US" sz="3200" dirty="0" smtClean="0"/>
+              <a:rPr lang="en-US" sz="3200" dirty="0"/>
               <a:t>Pair-wise outcomes</a:t>
             </a:r>
-            <a:endParaRPr lang="en-US" sz="3200" dirty="0"/>
-          </a:p>
-        </p:txBody>
-      </p:sp>
-      <p:cxnSp>
-        <p:nvCxnSpPr>
-          <p:cNvPr id="54" name="Straight Connector 53"/>
-          <p:cNvCxnSpPr/>
-          <p:nvPr/>
-        </p:nvCxnSpPr>
-        <p:spPr>
-          <a:xfrm>
-            <a:off x="6766047" y="485118"/>
-            <a:ext cx="2618508" cy="894717"/>
-          </a:xfrm>
-          <a:prstGeom prst="line">
-            <a:avLst/>
-          </a:prstGeom>
-        </p:spPr>
-        <p:style>
-          <a:lnRef idx="2">
-            <a:schemeClr val="accent1"/>
-          </a:lnRef>
-          <a:fillRef idx="0">
-            <a:schemeClr val="accent1"/>
-          </a:fillRef>
-          <a:effectRef idx="1">
-            <a:schemeClr val="accent1"/>
-          </a:effectRef>
-          <a:fontRef idx="minor">
-            <a:schemeClr val="tx1"/>
-          </a:fontRef>
-        </p:style>
-      </p:cxnSp>
-      <p:cxnSp>
-        <p:nvCxnSpPr>
-          <p:cNvPr id="55" name="Straight Connector 54"/>
-          <p:cNvCxnSpPr/>
-          <p:nvPr/>
-        </p:nvCxnSpPr>
-        <p:spPr>
-          <a:xfrm flipV="1">
-            <a:off x="6758427" y="533611"/>
-            <a:ext cx="2626128" cy="2700657"/>
-          </a:xfrm>
-          <a:prstGeom prst="line">
-            <a:avLst/>
-          </a:prstGeom>
-        </p:spPr>
-        <p:style>
-          <a:lnRef idx="2">
-            <a:schemeClr val="accent1"/>
-          </a:lnRef>
-          <a:fillRef idx="0">
-            <a:schemeClr val="accent1"/>
-          </a:fillRef>
-          <a:effectRef idx="1">
-            <a:schemeClr val="accent1"/>
-          </a:effectRef>
-          <a:fontRef idx="minor">
-            <a:schemeClr val="tx1"/>
-          </a:fontRef>
-        </p:style>
-      </p:cxnSp>
-      <p:cxnSp>
-        <p:nvCxnSpPr>
-          <p:cNvPr id="56" name="Straight Connector 55"/>
-          <p:cNvCxnSpPr/>
-          <p:nvPr/>
-        </p:nvCxnSpPr>
-        <p:spPr>
-          <a:xfrm>
-            <a:off x="6766048" y="2319866"/>
-            <a:ext cx="2598420" cy="22860"/>
-          </a:xfrm>
-          <a:prstGeom prst="line">
-            <a:avLst/>
-          </a:prstGeom>
-        </p:spPr>
-        <p:style>
-          <a:lnRef idx="2">
-            <a:schemeClr val="accent1"/>
-          </a:lnRef>
-          <a:fillRef idx="0">
-            <a:schemeClr val="accent1"/>
-          </a:fillRef>
-          <a:effectRef idx="1">
-            <a:schemeClr val="accent1"/>
-          </a:effectRef>
-          <a:fontRef idx="minor">
-            <a:schemeClr val="tx1"/>
-          </a:fontRef>
-        </p:style>
-      </p:cxnSp>
-      <p:cxnSp>
-        <p:nvCxnSpPr>
-          <p:cNvPr id="57" name="Straight Connector 56"/>
-          <p:cNvCxnSpPr/>
-          <p:nvPr/>
-        </p:nvCxnSpPr>
-        <p:spPr>
-          <a:xfrm flipH="1" flipV="1">
-            <a:off x="6738341" y="1476819"/>
-            <a:ext cx="2646214" cy="1708954"/>
-          </a:xfrm>
-          <a:prstGeom prst="line">
-            <a:avLst/>
-          </a:prstGeom>
-        </p:spPr>
-        <p:style>
-          <a:lnRef idx="2">
-            <a:schemeClr val="accent1"/>
-          </a:lnRef>
-          <a:fillRef idx="0">
-            <a:schemeClr val="accent1"/>
-          </a:fillRef>
-          <a:effectRef idx="1">
-            <a:schemeClr val="accent1"/>
-          </a:effectRef>
-          <a:fontRef idx="minor">
-            <a:schemeClr val="tx1"/>
-          </a:fontRef>
-        </p:style>
-      </p:cxnSp>
+          </a:p>
+        </p:txBody>
+      </p:sp>
       <p:sp>
         <p:nvSpPr>
           <p:cNvPr id="58" name="TextBox 57"/>
@@ -3906,10 +3743,9 @@
           <a:lstStyle/>
           <a:p>
             <a:r>
-              <a:rPr lang="en-US" sz="3200" dirty="0" smtClean="0"/>
+              <a:rPr lang="en-US" sz="3200" dirty="0"/>
               <a:t>Maximum matching</a:t>
             </a:r>
-            <a:endParaRPr lang="en-US" sz="3200" dirty="0"/>
           </a:p>
         </p:txBody>
       </p:sp>
@@ -3924,7 +3760,7 @@
             <p:spPr>
               <a:xfrm>
                 <a:off x="-76200" y="177225"/>
-                <a:ext cx="718017" cy="584775"/>
+                <a:ext cx="842154" cy="627095"/>
               </a:xfrm>
               <a:prstGeom prst="rect">
                 <a:avLst/>
@@ -3955,18 +3791,37 @@
                         <m:e>
                           <m:r>
                             <a:rPr lang="en-US" sz="3200" b="0" i="1" smtClean="0">
-                              <a:latin typeface="Cambria Math"/>
+                              <a:latin typeface="Cambria Math" panose="02040503050406030204" pitchFamily="18" charset="0"/>
                             </a:rPr>
-                            <m:t>𝐴</m:t>
+                            <m:t>𝑃</m:t>
                           </m:r>
                         </m:e>
                         <m:sub>
-                          <m:r>
-                            <a:rPr lang="en-US" sz="3200" b="0" i="1" smtClean="0">
-                              <a:latin typeface="Cambria Math"/>
-                            </a:rPr>
-                            <m:t>1</m:t>
-                          </m:r>
+                          <m:sSub>
+                            <m:sSubPr>
+                              <m:ctrlPr>
+                                <a:rPr lang="en-US" sz="3200" b="0" i="1" smtClean="0">
+                                  <a:latin typeface="Cambria Math" panose="02040503050406030204" pitchFamily="18" charset="0"/>
+                                </a:rPr>
+                              </m:ctrlPr>
+                            </m:sSubPr>
+                            <m:e>
+                              <m:r>
+                                <a:rPr lang="en-US" sz="3200" b="0" i="1" smtClean="0">
+                                  <a:latin typeface="Cambria Math"/>
+                                </a:rPr>
+                                <m:t>𝐴</m:t>
+                              </m:r>
+                            </m:e>
+                            <m:sub>
+                              <m:r>
+                                <a:rPr lang="en-US" sz="3200" b="0" i="1" smtClean="0">
+                                  <a:latin typeface="Cambria Math"/>
+                                </a:rPr>
+                                <m:t>1</m:t>
+                              </m:r>
+                            </m:sub>
+                          </m:sSub>
                         </m:sub>
                       </m:sSub>
                     </m:oMath>
@@ -3989,12 +3844,12 @@
             <p:spPr>
               <a:xfrm>
                 <a:off x="-76200" y="177225"/>
-                <a:ext cx="718017" cy="584775"/>
+                <a:ext cx="842154" cy="627095"/>
               </a:xfrm>
               <a:prstGeom prst="rect">
                 <a:avLst/>
               </a:prstGeom>
-              <a:blipFill rotWithShape="0">
+              <a:blipFill>
                 <a:blip r:embed="rId3"/>
                 <a:stretch>
                   <a:fillRect/>
@@ -4027,7 +3882,7 @@
             <p:spPr>
               <a:xfrm>
                 <a:off x="-117907" y="1015425"/>
-                <a:ext cx="727507" cy="584775"/>
+                <a:ext cx="842154" cy="627095"/>
               </a:xfrm>
               <a:prstGeom prst="rect">
                 <a:avLst/>
@@ -4058,18 +3913,37 @@
                         <m:e>
                           <m:r>
                             <a:rPr lang="en-US" sz="3200" b="0" i="1" smtClean="0">
-                              <a:latin typeface="Cambria Math"/>
+                              <a:latin typeface="Cambria Math" panose="02040503050406030204" pitchFamily="18" charset="0"/>
                             </a:rPr>
-                            <m:t>𝐴</m:t>
+                            <m:t>𝑃</m:t>
                           </m:r>
                         </m:e>
                         <m:sub>
-                          <m:r>
-                            <a:rPr lang="en-US" sz="3200" b="0" i="1" smtClean="0">
-                              <a:latin typeface="Cambria Math"/>
-                            </a:rPr>
-                            <m:t>2</m:t>
-                          </m:r>
+                          <m:sSub>
+                            <m:sSubPr>
+                              <m:ctrlPr>
+                                <a:rPr lang="en-US" sz="3200" b="0" i="1" smtClean="0">
+                                  <a:latin typeface="Cambria Math" panose="02040503050406030204" pitchFamily="18" charset="0"/>
+                                </a:rPr>
+                              </m:ctrlPr>
+                            </m:sSubPr>
+                            <m:e>
+                              <m:r>
+                                <a:rPr lang="en-US" sz="3200" b="0" i="1" smtClean="0">
+                                  <a:latin typeface="Cambria Math"/>
+                                </a:rPr>
+                                <m:t>𝐴</m:t>
+                              </m:r>
+                            </m:e>
+                            <m:sub>
+                              <m:r>
+                                <a:rPr lang="en-US" sz="3200" b="0" i="1" smtClean="0">
+                                  <a:latin typeface="Cambria Math"/>
+                                </a:rPr>
+                                <m:t>2</m:t>
+                              </m:r>
+                            </m:sub>
+                          </m:sSub>
                         </m:sub>
                       </m:sSub>
                     </m:oMath>
@@ -4092,12 +3966,12 @@
             <p:spPr>
               <a:xfrm>
                 <a:off x="-117907" y="1015425"/>
-                <a:ext cx="727507" cy="584775"/>
+                <a:ext cx="842154" cy="627095"/>
               </a:xfrm>
               <a:prstGeom prst="rect">
                 <a:avLst/>
               </a:prstGeom>
-              <a:blipFill rotWithShape="0">
+              <a:blipFill>
                 <a:blip r:embed="rId4"/>
                 <a:stretch>
                   <a:fillRect/>
@@ -4130,7 +4004,7 @@
             <p:spPr>
               <a:xfrm>
                 <a:off x="-76200" y="2057400"/>
-                <a:ext cx="727507" cy="584775"/>
+                <a:ext cx="842154" cy="629403"/>
               </a:xfrm>
               <a:prstGeom prst="rect">
                 <a:avLst/>
@@ -4160,18 +4034,37 @@
                         <m:e>
                           <m:r>
                             <a:rPr lang="en-US" sz="3200" b="0" i="1" smtClean="0">
-                              <a:latin typeface="Cambria Math"/>
+                              <a:latin typeface="Cambria Math" panose="02040503050406030204" pitchFamily="18" charset="0"/>
                             </a:rPr>
-                            <m:t>𝐴</m:t>
+                            <m:t>𝑃</m:t>
                           </m:r>
                         </m:e>
                         <m:sub>
-                          <m:r>
-                            <a:rPr lang="en-US" sz="3200" b="0" i="1" smtClean="0">
-                              <a:latin typeface="Cambria Math"/>
-                            </a:rPr>
-                            <m:t>3</m:t>
-                          </m:r>
+                          <m:sSub>
+                            <m:sSubPr>
+                              <m:ctrlPr>
+                                <a:rPr lang="en-US" sz="3200" b="0" i="1" smtClean="0">
+                                  <a:latin typeface="Cambria Math" panose="02040503050406030204" pitchFamily="18" charset="0"/>
+                                </a:rPr>
+                              </m:ctrlPr>
+                            </m:sSubPr>
+                            <m:e>
+                              <m:r>
+                                <a:rPr lang="en-US" sz="3200" b="0" i="1" smtClean="0">
+                                  <a:latin typeface="Cambria Math"/>
+                                </a:rPr>
+                                <m:t>𝐴</m:t>
+                              </m:r>
+                            </m:e>
+                            <m:sub>
+                              <m:r>
+                                <a:rPr lang="en-US" sz="3200" b="0" i="1" smtClean="0">
+                                  <a:latin typeface="Cambria Math"/>
+                                </a:rPr>
+                                <m:t>3</m:t>
+                              </m:r>
+                            </m:sub>
+                          </m:sSub>
                         </m:sub>
                       </m:sSub>
                     </m:oMath>
@@ -4194,12 +4087,12 @@
             <p:spPr>
               <a:xfrm>
                 <a:off x="-76200" y="2057400"/>
-                <a:ext cx="727507" cy="584775"/>
+                <a:ext cx="842154" cy="629403"/>
               </a:xfrm>
               <a:prstGeom prst="rect">
                 <a:avLst/>
               </a:prstGeom>
-              <a:blipFill rotWithShape="0">
+              <a:blipFill>
                 <a:blip r:embed="rId5"/>
                 <a:stretch>
                   <a:fillRect/>
@@ -4232,7 +4125,7 @@
             <p:spPr>
               <a:xfrm>
                 <a:off x="-41707" y="2920425"/>
-                <a:ext cx="727507" cy="584775"/>
+                <a:ext cx="842154" cy="627095"/>
               </a:xfrm>
               <a:prstGeom prst="rect">
                 <a:avLst/>
@@ -4262,18 +4155,37 @@
                         <m:e>
                           <m:r>
                             <a:rPr lang="en-US" sz="3200" b="0" i="1" smtClean="0">
-                              <a:latin typeface="Cambria Math"/>
+                              <a:latin typeface="Cambria Math" panose="02040503050406030204" pitchFamily="18" charset="0"/>
                             </a:rPr>
-                            <m:t>𝐴</m:t>
+                            <m:t>𝑃</m:t>
                           </m:r>
                         </m:e>
                         <m:sub>
-                          <m:r>
-                            <a:rPr lang="en-US" sz="3200" b="0" i="1" smtClean="0">
-                              <a:latin typeface="Cambria Math"/>
-                            </a:rPr>
-                            <m:t>4</m:t>
-                          </m:r>
+                          <m:sSub>
+                            <m:sSubPr>
+                              <m:ctrlPr>
+                                <a:rPr lang="en-US" sz="3200" b="0" i="1" smtClean="0">
+                                  <a:latin typeface="Cambria Math" panose="02040503050406030204" pitchFamily="18" charset="0"/>
+                                </a:rPr>
+                              </m:ctrlPr>
+                            </m:sSubPr>
+                            <m:e>
+                              <m:r>
+                                <a:rPr lang="en-US" sz="3200" b="0" i="1" smtClean="0">
+                                  <a:latin typeface="Cambria Math"/>
+                                </a:rPr>
+                                <m:t>𝐴</m:t>
+                              </m:r>
+                            </m:e>
+                            <m:sub>
+                              <m:r>
+                                <a:rPr lang="en-US" sz="3200" b="0" i="1" smtClean="0">
+                                  <a:latin typeface="Cambria Math"/>
+                                </a:rPr>
+                                <m:t>4</m:t>
+                              </m:r>
+                            </m:sub>
+                          </m:sSub>
                         </m:sub>
                       </m:sSub>
                     </m:oMath>
@@ -4296,12 +4208,12 @@
             <p:spPr>
               <a:xfrm>
                 <a:off x="-41707" y="2920425"/>
-                <a:ext cx="727507" cy="584775"/>
+                <a:ext cx="842154" cy="627095"/>
               </a:xfrm>
               <a:prstGeom prst="rect">
                 <a:avLst/>
               </a:prstGeom>
-              <a:blipFill rotWithShape="0">
+              <a:blipFill>
                 <a:blip r:embed="rId6"/>
                 <a:stretch>
                   <a:fillRect/>
@@ -4327,14 +4239,14 @@
         <mc:Choice xmlns:a14="http://schemas.microsoft.com/office/drawing/2010/main" Requires="a14">
           <p:sp>
             <p:nvSpPr>
-              <p:cNvPr id="63" name="TextBox 62"/>
+              <p:cNvPr id="67" name="TextBox 66"/>
               <p:cNvSpPr txBox="1"/>
               <p:nvPr/>
             </p:nvSpPr>
             <p:spPr>
               <a:xfrm>
-                <a:off x="6048053" y="270521"/>
-                <a:ext cx="718017" cy="584775"/>
+                <a:off x="3333109" y="687303"/>
+                <a:ext cx="859914" cy="627095"/>
               </a:xfrm>
               <a:prstGeom prst="rect">
                 <a:avLst/>
@@ -4365,18 +4277,37 @@
                         <m:e>
                           <m:r>
                             <a:rPr lang="en-US" sz="3200" b="0" i="1" smtClean="0">
-                              <a:latin typeface="Cambria Math"/>
+                              <a:latin typeface="Cambria Math" panose="02040503050406030204" pitchFamily="18" charset="0"/>
                             </a:rPr>
-                            <m:t>𝐴</m:t>
+                            <m:t>𝑃</m:t>
                           </m:r>
                         </m:e>
                         <m:sub>
-                          <m:r>
-                            <a:rPr lang="en-US" sz="3200" b="0" i="1" smtClean="0">
-                              <a:latin typeface="Cambria Math"/>
-                            </a:rPr>
-                            <m:t>1</m:t>
-                          </m:r>
+                          <m:sSub>
+                            <m:sSubPr>
+                              <m:ctrlPr>
+                                <a:rPr lang="en-US" sz="3200" b="0" i="1" smtClean="0">
+                                  <a:latin typeface="Cambria Math" panose="02040503050406030204" pitchFamily="18" charset="0"/>
+                                </a:rPr>
+                              </m:ctrlPr>
+                            </m:sSubPr>
+                            <m:e>
+                              <m:r>
+                                <a:rPr lang="en-US" sz="3200" b="0" i="1" smtClean="0">
+                                  <a:latin typeface="Cambria Math"/>
+                                </a:rPr>
+                                <m:t>𝐷</m:t>
+                              </m:r>
+                            </m:e>
+                            <m:sub>
+                              <m:r>
+                                <a:rPr lang="en-US" sz="3200" b="0" i="1" smtClean="0">
+                                  <a:latin typeface="Cambria Math"/>
+                                </a:rPr>
+                                <m:t>1</m:t>
+                              </m:r>
+                            </m:sub>
+                          </m:sSub>
                         </m:sub>
                       </m:sSub>
                     </m:oMath>
@@ -4390,7 +4321,7 @@
         <mc:Fallback>
           <p:sp>
             <p:nvSpPr>
-              <p:cNvPr id="63" name="TextBox 62"/>
+              <p:cNvPr id="67" name="TextBox 66"/>
               <p:cNvSpPr txBox="1">
                 <a:spLocks noRot="1" noChangeAspect="1" noMove="1" noResize="1" noEditPoints="1" noAdjustHandles="1" noChangeArrowheads="1" noChangeShapeType="1" noTextEdit="1"/>
               </p:cNvSpPr>
@@ -4398,13 +4329,13 @@
             </p:nvSpPr>
             <p:spPr>
               <a:xfrm>
-                <a:off x="6048053" y="270521"/>
-                <a:ext cx="718017" cy="584775"/>
+                <a:off x="3333109" y="687303"/>
+                <a:ext cx="859914" cy="627095"/>
               </a:xfrm>
               <a:prstGeom prst="rect">
                 <a:avLst/>
               </a:prstGeom>
-              <a:blipFill rotWithShape="0">
+              <a:blipFill>
                 <a:blip r:embed="rId7"/>
                 <a:stretch>
                   <a:fillRect/>
@@ -4430,14 +4361,14 @@
         <mc:Choice xmlns:a14="http://schemas.microsoft.com/office/drawing/2010/main" Requires="a14">
           <p:sp>
             <p:nvSpPr>
-              <p:cNvPr id="64" name="TextBox 63"/>
+              <p:cNvPr id="68" name="TextBox 67"/>
               <p:cNvSpPr txBox="1"/>
               <p:nvPr/>
             </p:nvSpPr>
             <p:spPr>
               <a:xfrm>
-                <a:off x="6019800" y="1114439"/>
-                <a:ext cx="727507" cy="584775"/>
+                <a:off x="3304856" y="1531221"/>
+                <a:ext cx="859915" cy="627095"/>
               </a:xfrm>
               <a:prstGeom prst="rect">
                 <a:avLst/>
@@ -4468,18 +4399,37 @@
                         <m:e>
                           <m:r>
                             <a:rPr lang="en-US" sz="3200" b="0" i="1" smtClean="0">
-                              <a:latin typeface="Cambria Math"/>
+                              <a:latin typeface="Cambria Math" panose="02040503050406030204" pitchFamily="18" charset="0"/>
                             </a:rPr>
-                            <m:t>𝐴</m:t>
+                            <m:t>𝑃</m:t>
                           </m:r>
                         </m:e>
                         <m:sub>
-                          <m:r>
-                            <a:rPr lang="en-US" sz="3200" b="0" i="1" smtClean="0">
-                              <a:latin typeface="Cambria Math"/>
-                            </a:rPr>
-                            <m:t>2</m:t>
-                          </m:r>
+                          <m:sSub>
+                            <m:sSubPr>
+                              <m:ctrlPr>
+                                <a:rPr lang="en-US" sz="3200" b="0" i="1" smtClean="0">
+                                  <a:latin typeface="Cambria Math" panose="02040503050406030204" pitchFamily="18" charset="0"/>
+                                </a:rPr>
+                              </m:ctrlPr>
+                            </m:sSubPr>
+                            <m:e>
+                              <m:r>
+                                <a:rPr lang="en-US" sz="3200" b="0" i="1" smtClean="0">
+                                  <a:latin typeface="Cambria Math"/>
+                                </a:rPr>
+                                <m:t>𝐷</m:t>
+                              </m:r>
+                            </m:e>
+                            <m:sub>
+                              <m:r>
+                                <a:rPr lang="en-US" sz="3200" b="0" i="1" smtClean="0">
+                                  <a:latin typeface="Cambria Math"/>
+                                </a:rPr>
+                                <m:t>2</m:t>
+                              </m:r>
+                            </m:sub>
+                          </m:sSub>
                         </m:sub>
                       </m:sSub>
                     </m:oMath>
@@ -4493,7 +4443,7 @@
         <mc:Fallback>
           <p:sp>
             <p:nvSpPr>
-              <p:cNvPr id="64" name="TextBox 63"/>
+              <p:cNvPr id="68" name="TextBox 67"/>
               <p:cNvSpPr txBox="1">
                 <a:spLocks noRot="1" noChangeAspect="1" noMove="1" noResize="1" noEditPoints="1" noAdjustHandles="1" noChangeArrowheads="1" noChangeShapeType="1" noTextEdit="1"/>
               </p:cNvSpPr>
@@ -4501,13 +4451,13 @@
             </p:nvSpPr>
             <p:spPr>
               <a:xfrm>
-                <a:off x="6019800" y="1114439"/>
-                <a:ext cx="727507" cy="584775"/>
+                <a:off x="3304856" y="1531221"/>
+                <a:ext cx="859915" cy="627095"/>
               </a:xfrm>
               <a:prstGeom prst="rect">
                 <a:avLst/>
               </a:prstGeom>
-              <a:blipFill rotWithShape="0">
+              <a:blipFill>
                 <a:blip r:embed="rId8"/>
                 <a:stretch>
                   <a:fillRect/>
@@ -4533,14 +4483,14 @@
         <mc:Choice xmlns:a14="http://schemas.microsoft.com/office/drawing/2010/main" Requires="a14">
           <p:sp>
             <p:nvSpPr>
-              <p:cNvPr id="65" name="Rectangle 64"/>
+              <p:cNvPr id="69" name="Rectangle 68"/>
               <p:cNvSpPr/>
               <p:nvPr/>
             </p:nvSpPr>
             <p:spPr>
               <a:xfrm>
-                <a:off x="6042733" y="2154215"/>
-                <a:ext cx="727507" cy="584775"/>
+                <a:off x="3327788" y="2570997"/>
+                <a:ext cx="859915" cy="629403"/>
               </a:xfrm>
               <a:prstGeom prst="rect">
                 <a:avLst/>
@@ -4570,18 +4520,37 @@
                         <m:e>
                           <m:r>
                             <a:rPr lang="en-US" sz="3200" b="0" i="1" smtClean="0">
-                              <a:latin typeface="Cambria Math"/>
+                              <a:latin typeface="Cambria Math" panose="02040503050406030204" pitchFamily="18" charset="0"/>
                             </a:rPr>
-                            <m:t>𝐴</m:t>
+                            <m:t>𝑃</m:t>
                           </m:r>
                         </m:e>
                         <m:sub>
-                          <m:r>
-                            <a:rPr lang="en-US" sz="3200" b="0" i="1" smtClean="0">
-                              <a:latin typeface="Cambria Math"/>
-                            </a:rPr>
-                            <m:t>3</m:t>
-                          </m:r>
+                          <m:sSub>
+                            <m:sSubPr>
+                              <m:ctrlPr>
+                                <a:rPr lang="en-US" sz="3200" b="0" i="1" smtClean="0">
+                                  <a:latin typeface="Cambria Math" panose="02040503050406030204" pitchFamily="18" charset="0"/>
+                                </a:rPr>
+                              </m:ctrlPr>
+                            </m:sSubPr>
+                            <m:e>
+                              <m:r>
+                                <a:rPr lang="en-US" sz="3200" b="0" i="1" smtClean="0">
+                                  <a:latin typeface="Cambria Math"/>
+                                </a:rPr>
+                                <m:t>𝐷</m:t>
+                              </m:r>
+                            </m:e>
+                            <m:sub>
+                              <m:r>
+                                <a:rPr lang="en-US" sz="3200" b="0" i="1" smtClean="0">
+                                  <a:latin typeface="Cambria Math"/>
+                                </a:rPr>
+                                <m:t>3</m:t>
+                              </m:r>
+                            </m:sub>
+                          </m:sSub>
                         </m:sub>
                       </m:sSub>
                     </m:oMath>
@@ -4595,7 +4564,7 @@
         <mc:Fallback>
           <p:sp>
             <p:nvSpPr>
-              <p:cNvPr id="65" name="Rectangle 64"/>
+              <p:cNvPr id="69" name="Rectangle 68"/>
               <p:cNvSpPr>
                 <a:spLocks noRot="1" noChangeAspect="1" noMove="1" noResize="1" noEditPoints="1" noAdjustHandles="1" noChangeArrowheads="1" noChangeShapeType="1" noTextEdit="1"/>
               </p:cNvSpPr>
@@ -4603,13 +4572,13 @@
             </p:nvSpPr>
             <p:spPr>
               <a:xfrm>
-                <a:off x="6042733" y="2154215"/>
-                <a:ext cx="727507" cy="584775"/>
+                <a:off x="3327788" y="2570997"/>
+                <a:ext cx="859915" cy="629403"/>
               </a:xfrm>
               <a:prstGeom prst="rect">
                 <a:avLst/>
               </a:prstGeom>
-              <a:blipFill rotWithShape="0">
+              <a:blipFill>
                 <a:blip r:embed="rId9"/>
                 <a:stretch>
                   <a:fillRect/>
@@ -4631,120 +4600,451 @@
           </p:sp>
         </mc:Fallback>
       </mc:AlternateContent>
+      <p:sp>
+        <p:nvSpPr>
+          <p:cNvPr id="76" name="Plus 75"/>
+          <p:cNvSpPr/>
+          <p:nvPr/>
+        </p:nvSpPr>
+        <p:spPr>
+          <a:xfrm>
+            <a:off x="442831" y="3013286"/>
+            <a:ext cx="304800" cy="304800"/>
+          </a:xfrm>
+          <a:prstGeom prst="mathPlus">
+            <a:avLst>
+              <a:gd name="adj1" fmla="val 18568"/>
+            </a:avLst>
+          </a:prstGeom>
+        </p:spPr>
+        <p:style>
+          <a:lnRef idx="2">
+            <a:schemeClr val="accent2">
+              <a:shade val="50000"/>
+            </a:schemeClr>
+          </a:lnRef>
+          <a:fillRef idx="1">
+            <a:schemeClr val="accent2"/>
+          </a:fillRef>
+          <a:effectRef idx="0">
+            <a:schemeClr val="accent2"/>
+          </a:effectRef>
+          <a:fontRef idx="minor">
+            <a:schemeClr val="lt1"/>
+          </a:fontRef>
+        </p:style>
+        <p:txBody>
+          <a:bodyPr rtlCol="0" anchor="ctr"/>
+          <a:lstStyle/>
+          <a:p>
+            <a:pPr algn="ctr"/>
+            <a:endParaRPr lang="en-US" sz="3200"/>
+          </a:p>
+        </p:txBody>
+      </p:sp>
+      <p:sp>
+        <p:nvSpPr>
+          <p:cNvPr id="77" name="6-Point Star 76"/>
+          <p:cNvSpPr/>
+          <p:nvPr/>
+        </p:nvSpPr>
+        <p:spPr>
+          <a:xfrm>
+            <a:off x="3124200" y="2598253"/>
+            <a:ext cx="256032" cy="301752"/>
+          </a:xfrm>
+          <a:prstGeom prst="star6">
+            <a:avLst>
+              <a:gd name="adj" fmla="val 16368"/>
+              <a:gd name="hf" fmla="val 115470"/>
+            </a:avLst>
+          </a:prstGeom>
+        </p:spPr>
+        <p:style>
+          <a:lnRef idx="2">
+            <a:schemeClr val="accent1">
+              <a:shade val="50000"/>
+            </a:schemeClr>
+          </a:lnRef>
+          <a:fillRef idx="1">
+            <a:schemeClr val="accent1"/>
+          </a:fillRef>
+          <a:effectRef idx="0">
+            <a:schemeClr val="accent1"/>
+          </a:effectRef>
+          <a:fontRef idx="minor">
+            <a:schemeClr val="lt1"/>
+          </a:fontRef>
+        </p:style>
+        <p:txBody>
+          <a:bodyPr rtlCol="0" anchor="ctr"/>
+          <a:lstStyle/>
+          <a:p>
+            <a:pPr algn="ctr"/>
+            <a:endParaRPr lang="en-US" sz="3200"/>
+          </a:p>
+        </p:txBody>
+      </p:sp>
+      <p:sp>
+        <p:nvSpPr>
+          <p:cNvPr id="78" name="Plus 77"/>
+          <p:cNvSpPr/>
+          <p:nvPr/>
+        </p:nvSpPr>
+        <p:spPr>
+          <a:xfrm>
+            <a:off x="442831" y="2133600"/>
+            <a:ext cx="304800" cy="304800"/>
+          </a:xfrm>
+          <a:prstGeom prst="mathPlus">
+            <a:avLst>
+              <a:gd name="adj1" fmla="val 18568"/>
+            </a:avLst>
+          </a:prstGeom>
+        </p:spPr>
+        <p:style>
+          <a:lnRef idx="2">
+            <a:schemeClr val="accent2">
+              <a:shade val="50000"/>
+            </a:schemeClr>
+          </a:lnRef>
+          <a:fillRef idx="1">
+            <a:schemeClr val="accent2"/>
+          </a:fillRef>
+          <a:effectRef idx="0">
+            <a:schemeClr val="accent2"/>
+          </a:effectRef>
+          <a:fontRef idx="minor">
+            <a:schemeClr val="lt1"/>
+          </a:fontRef>
+        </p:style>
+        <p:txBody>
+          <a:bodyPr rtlCol="0" anchor="ctr"/>
+          <a:lstStyle/>
+          <a:p>
+            <a:pPr algn="ctr"/>
+            <a:endParaRPr lang="en-US" sz="3200"/>
+          </a:p>
+        </p:txBody>
+      </p:sp>
+      <p:sp>
+        <p:nvSpPr>
+          <p:cNvPr id="107" name="6-Point Star 106"/>
+          <p:cNvSpPr/>
+          <p:nvPr/>
+        </p:nvSpPr>
+        <p:spPr>
+          <a:xfrm>
+            <a:off x="3127956" y="1637030"/>
+            <a:ext cx="256032" cy="301752"/>
+          </a:xfrm>
+          <a:prstGeom prst="star6">
+            <a:avLst>
+              <a:gd name="adj" fmla="val 16368"/>
+              <a:gd name="hf" fmla="val 115470"/>
+            </a:avLst>
+          </a:prstGeom>
+        </p:spPr>
+        <p:style>
+          <a:lnRef idx="2">
+            <a:schemeClr val="accent1">
+              <a:shade val="50000"/>
+            </a:schemeClr>
+          </a:lnRef>
+          <a:fillRef idx="1">
+            <a:schemeClr val="accent1"/>
+          </a:fillRef>
+          <a:effectRef idx="0">
+            <a:schemeClr val="accent1"/>
+          </a:effectRef>
+          <a:fontRef idx="minor">
+            <a:schemeClr val="lt1"/>
+          </a:fontRef>
+        </p:style>
+        <p:txBody>
+          <a:bodyPr rtlCol="0" anchor="ctr"/>
+          <a:lstStyle/>
+          <a:p>
+            <a:pPr algn="ctr"/>
+            <a:endParaRPr lang="en-US" sz="3200"/>
+          </a:p>
+        </p:txBody>
+      </p:sp>
+      <p:sp>
+        <p:nvSpPr>
+          <p:cNvPr id="108" name="Plus 107"/>
+          <p:cNvSpPr/>
+          <p:nvPr/>
+        </p:nvSpPr>
+        <p:spPr>
+          <a:xfrm>
+            <a:off x="446587" y="1172377"/>
+            <a:ext cx="304800" cy="304800"/>
+          </a:xfrm>
+          <a:prstGeom prst="mathPlus">
+            <a:avLst>
+              <a:gd name="adj1" fmla="val 18568"/>
+            </a:avLst>
+          </a:prstGeom>
+        </p:spPr>
+        <p:style>
+          <a:lnRef idx="2">
+            <a:schemeClr val="accent2">
+              <a:shade val="50000"/>
+            </a:schemeClr>
+          </a:lnRef>
+          <a:fillRef idx="1">
+            <a:schemeClr val="accent2"/>
+          </a:fillRef>
+          <a:effectRef idx="0">
+            <a:schemeClr val="accent2"/>
+          </a:effectRef>
+          <a:fontRef idx="minor">
+            <a:schemeClr val="lt1"/>
+          </a:fontRef>
+        </p:style>
+        <p:txBody>
+          <a:bodyPr rtlCol="0" anchor="ctr"/>
+          <a:lstStyle/>
+          <a:p>
+            <a:pPr algn="ctr"/>
+            <a:endParaRPr lang="en-US" sz="3200"/>
+          </a:p>
+        </p:txBody>
+      </p:sp>
+      <p:sp>
+        <p:nvSpPr>
+          <p:cNvPr id="109" name="6-Point Star 108"/>
+          <p:cNvSpPr/>
+          <p:nvPr/>
+        </p:nvSpPr>
+        <p:spPr>
+          <a:xfrm>
+            <a:off x="3128609" y="754883"/>
+            <a:ext cx="256032" cy="301752"/>
+          </a:xfrm>
+          <a:prstGeom prst="star6">
+            <a:avLst>
+              <a:gd name="adj" fmla="val 16368"/>
+              <a:gd name="hf" fmla="val 115470"/>
+            </a:avLst>
+          </a:prstGeom>
+        </p:spPr>
+        <p:style>
+          <a:lnRef idx="2">
+            <a:schemeClr val="accent1">
+              <a:shade val="50000"/>
+            </a:schemeClr>
+          </a:lnRef>
+          <a:fillRef idx="1">
+            <a:schemeClr val="accent1"/>
+          </a:fillRef>
+          <a:effectRef idx="0">
+            <a:schemeClr val="accent1"/>
+          </a:effectRef>
+          <a:fontRef idx="minor">
+            <a:schemeClr val="lt1"/>
+          </a:fontRef>
+        </p:style>
+        <p:txBody>
+          <a:bodyPr rtlCol="0" anchor="ctr"/>
+          <a:lstStyle/>
+          <a:p>
+            <a:pPr algn="ctr"/>
+            <a:endParaRPr lang="en-US" sz="3200"/>
+          </a:p>
+        </p:txBody>
+      </p:sp>
+      <p:sp>
+        <p:nvSpPr>
+          <p:cNvPr id="110" name="Plus 109"/>
+          <p:cNvSpPr/>
+          <p:nvPr/>
+        </p:nvSpPr>
+        <p:spPr>
+          <a:xfrm>
+            <a:off x="447240" y="290230"/>
+            <a:ext cx="304800" cy="304800"/>
+          </a:xfrm>
+          <a:prstGeom prst="mathPlus">
+            <a:avLst>
+              <a:gd name="adj1" fmla="val 18568"/>
+            </a:avLst>
+          </a:prstGeom>
+        </p:spPr>
+        <p:style>
+          <a:lnRef idx="2">
+            <a:schemeClr val="accent2">
+              <a:shade val="50000"/>
+            </a:schemeClr>
+          </a:lnRef>
+          <a:fillRef idx="1">
+            <a:schemeClr val="accent2"/>
+          </a:fillRef>
+          <a:effectRef idx="0">
+            <a:schemeClr val="accent2"/>
+          </a:effectRef>
+          <a:fontRef idx="minor">
+            <a:schemeClr val="lt1"/>
+          </a:fontRef>
+        </p:style>
+        <p:txBody>
+          <a:bodyPr rtlCol="0" anchor="ctr"/>
+          <a:lstStyle/>
+          <a:p>
+            <a:pPr algn="ctr"/>
+            <a:endParaRPr lang="en-US" sz="3200"/>
+          </a:p>
+        </p:txBody>
+      </p:sp>
+      <p:sp>
+        <p:nvSpPr>
+          <p:cNvPr id="129" name="Right Arrow 128"/>
+          <p:cNvSpPr/>
+          <p:nvPr/>
+        </p:nvSpPr>
+        <p:spPr>
+          <a:xfrm>
+            <a:off x="4061739" y="1948934"/>
+            <a:ext cx="2116699" cy="393792"/>
+          </a:xfrm>
+          <a:prstGeom prst="rightArrow">
+            <a:avLst/>
+          </a:prstGeom>
+        </p:spPr>
+        <p:style>
+          <a:lnRef idx="2">
+            <a:schemeClr val="accent3">
+              <a:shade val="50000"/>
+            </a:schemeClr>
+          </a:lnRef>
+          <a:fillRef idx="1">
+            <a:schemeClr val="accent3"/>
+          </a:fillRef>
+          <a:effectRef idx="0">
+            <a:schemeClr val="accent3"/>
+          </a:effectRef>
+          <a:fontRef idx="minor">
+            <a:schemeClr val="lt1"/>
+          </a:fontRef>
+        </p:style>
+        <p:txBody>
+          <a:bodyPr rtlCol="0" anchor="ctr"/>
+          <a:lstStyle/>
+          <a:p>
+            <a:pPr algn="ctr"/>
+            <a:endParaRPr lang="en-US" sz="3200"/>
+          </a:p>
+        </p:txBody>
+      </p:sp>
+      <p:cxnSp>
+        <p:nvCxnSpPr>
+          <p:cNvPr id="87" name="Straight Connector 86"/>
+          <p:cNvCxnSpPr>
+            <a:endCxn id="103" idx="4"/>
+          </p:cNvCxnSpPr>
+          <p:nvPr/>
+        </p:nvCxnSpPr>
+        <p:spPr>
+          <a:xfrm>
+            <a:off x="6935581" y="437681"/>
+            <a:ext cx="2482482" cy="1274787"/>
+          </a:xfrm>
+          <a:prstGeom prst="line">
+            <a:avLst/>
+          </a:prstGeom>
+        </p:spPr>
+        <p:style>
+          <a:lnRef idx="2">
+            <a:schemeClr val="accent1"/>
+          </a:lnRef>
+          <a:fillRef idx="0">
+            <a:schemeClr val="accent1"/>
+          </a:fillRef>
+          <a:effectRef idx="1">
+            <a:schemeClr val="accent1"/>
+          </a:effectRef>
+          <a:fontRef idx="minor">
+            <a:schemeClr val="tx1"/>
+          </a:fontRef>
+        </p:style>
+      </p:cxnSp>
+      <p:cxnSp>
+        <p:nvCxnSpPr>
+          <p:cNvPr id="90" name="Straight Connector 89"/>
+          <p:cNvCxnSpPr>
+            <a:endCxn id="101" idx="3"/>
+          </p:cNvCxnSpPr>
+          <p:nvPr/>
+        </p:nvCxnSpPr>
+        <p:spPr>
+          <a:xfrm>
+            <a:off x="6935581" y="2272430"/>
+            <a:ext cx="2478726" cy="552137"/>
+          </a:xfrm>
+          <a:prstGeom prst="line">
+            <a:avLst/>
+          </a:prstGeom>
+        </p:spPr>
+        <p:style>
+          <a:lnRef idx="2">
+            <a:schemeClr val="accent1"/>
+          </a:lnRef>
+          <a:fillRef idx="0">
+            <a:schemeClr val="accent1"/>
+          </a:fillRef>
+          <a:effectRef idx="1">
+            <a:schemeClr val="accent1"/>
+          </a:effectRef>
+          <a:fontRef idx="minor">
+            <a:schemeClr val="tx1"/>
+          </a:fontRef>
+        </p:style>
+      </p:cxnSp>
+      <p:cxnSp>
+        <p:nvCxnSpPr>
+          <p:cNvPr id="91" name="Straight Connector 90"/>
+          <p:cNvCxnSpPr>
+            <a:stCxn id="105" idx="3"/>
+          </p:cNvCxnSpPr>
+          <p:nvPr/>
+        </p:nvCxnSpPr>
+        <p:spPr>
+          <a:xfrm flipH="1">
+            <a:off x="6907874" y="981197"/>
+            <a:ext cx="2510842" cy="351201"/>
+          </a:xfrm>
+          <a:prstGeom prst="line">
+            <a:avLst/>
+          </a:prstGeom>
+        </p:spPr>
+        <p:style>
+          <a:lnRef idx="2">
+            <a:schemeClr val="accent1"/>
+          </a:lnRef>
+          <a:fillRef idx="0">
+            <a:schemeClr val="accent1"/>
+          </a:fillRef>
+          <a:effectRef idx="1">
+            <a:schemeClr val="accent1"/>
+          </a:effectRef>
+          <a:fontRef idx="minor">
+            <a:schemeClr val="tx1"/>
+          </a:fontRef>
+        </p:style>
+      </p:cxnSp>
       <mc:AlternateContent xmlns:mc="http://schemas.openxmlformats.org/markup-compatibility/2006">
         <mc:Choice xmlns:a14="http://schemas.microsoft.com/office/drawing/2010/main" Requires="a14">
           <p:sp>
             <p:nvSpPr>
-              <p:cNvPr id="66" name="Rectangle 65"/>
-              <p:cNvSpPr/>
-              <p:nvPr/>
-            </p:nvSpPr>
-            <p:spPr>
-              <a:xfrm>
-                <a:off x="6048054" y="2996625"/>
-                <a:ext cx="727507" cy="584775"/>
-              </a:xfrm>
-              <a:prstGeom prst="rect">
-                <a:avLst/>
-              </a:prstGeom>
-            </p:spPr>
-            <p:txBody>
-              <a:bodyPr wrap="none">
-                <a:spAutoFit/>
-              </a:bodyPr>
-              <a:lstStyle/>
-              <a:p>
-                <a:pPr/>
-                <a14:m>
-                  <m:oMathPara xmlns:m="http://schemas.openxmlformats.org/officeDocument/2006/math">
-                    <m:oMathParaPr>
-                      <m:jc m:val="centerGroup"/>
-                    </m:oMathParaPr>
-                    <m:oMath xmlns:m="http://schemas.openxmlformats.org/officeDocument/2006/math">
-                      <m:sSub>
-                        <m:sSubPr>
-                          <m:ctrlPr>
-                            <a:rPr lang="en-US" sz="3200" b="0" i="1" smtClean="0">
-                              <a:latin typeface="Cambria Math" panose="02040503050406030204" pitchFamily="18" charset="0"/>
-                            </a:rPr>
-                          </m:ctrlPr>
-                        </m:sSubPr>
-                        <m:e>
-                          <m:r>
-                            <a:rPr lang="en-US" sz="3200" b="0" i="1" smtClean="0">
-                              <a:latin typeface="Cambria Math"/>
-                            </a:rPr>
-                            <m:t>𝐴</m:t>
-                          </m:r>
-                        </m:e>
-                        <m:sub>
-                          <m:r>
-                            <a:rPr lang="en-US" sz="3200" b="0" i="1" smtClean="0">
-                              <a:latin typeface="Cambria Math"/>
-                            </a:rPr>
-                            <m:t>4</m:t>
-                          </m:r>
-                        </m:sub>
-                      </m:sSub>
-                    </m:oMath>
-                  </m:oMathPara>
-                </a14:m>
-                <a:endParaRPr lang="en-US" sz="3200" dirty="0"/>
-              </a:p>
-            </p:txBody>
-          </p:sp>
-        </mc:Choice>
-        <mc:Fallback>
-          <p:sp>
-            <p:nvSpPr>
-              <p:cNvPr id="66" name="Rectangle 65"/>
-              <p:cNvSpPr>
-                <a:spLocks noRot="1" noChangeAspect="1" noMove="1" noResize="1" noEditPoints="1" noAdjustHandles="1" noChangeArrowheads="1" noChangeShapeType="1" noTextEdit="1"/>
-              </p:cNvSpPr>
-              <p:nvPr/>
-            </p:nvSpPr>
-            <p:spPr>
-              <a:xfrm>
-                <a:off x="6048054" y="2996625"/>
-                <a:ext cx="727507" cy="584775"/>
-              </a:xfrm>
-              <a:prstGeom prst="rect">
-                <a:avLst/>
-              </a:prstGeom>
-              <a:blipFill rotWithShape="0">
-                <a:blip r:embed="rId10"/>
-                <a:stretch>
-                  <a:fillRect/>
-                </a:stretch>
-              </a:blipFill>
-            </p:spPr>
-            <p:txBody>
-              <a:bodyPr/>
-              <a:lstStyle/>
-              <a:p>
-                <a:r>
-                  <a:rPr lang="en-US">
-                    <a:noFill/>
-                  </a:rPr>
-                  <a:t> </a:t>
-                </a:r>
-              </a:p>
-            </p:txBody>
-          </p:sp>
-        </mc:Fallback>
-      </mc:AlternateContent>
-      <mc:AlternateContent xmlns:mc="http://schemas.openxmlformats.org/markup-compatibility/2006">
-        <mc:Choice xmlns:a14="http://schemas.microsoft.com/office/drawing/2010/main" Requires="a14">
-          <p:sp>
-            <p:nvSpPr>
-              <p:cNvPr id="67" name="TextBox 66"/>
+              <p:cNvPr id="93" name="TextBox 92"/>
               <p:cNvSpPr txBox="1"/>
               <p:nvPr/>
             </p:nvSpPr>
             <p:spPr>
               <a:xfrm>
-                <a:off x="3333109" y="222650"/>
-                <a:ext cx="718017" cy="584775"/>
+                <a:off x="6213907" y="177225"/>
+                <a:ext cx="842154" cy="627095"/>
               </a:xfrm>
               <a:prstGeom prst="rect">
                 <a:avLst/>
@@ -4775,18 +5075,37 @@
                         <m:e>
                           <m:r>
                             <a:rPr lang="en-US" sz="3200" b="0" i="1" smtClean="0">
-                              <a:latin typeface="Cambria Math"/>
+                              <a:latin typeface="Cambria Math" panose="02040503050406030204" pitchFamily="18" charset="0"/>
                             </a:rPr>
-                            <m:t>𝐷</m:t>
+                            <m:t>𝑃</m:t>
                           </m:r>
                         </m:e>
                         <m:sub>
-                          <m:r>
-                            <a:rPr lang="en-US" sz="3200" b="0" i="1" smtClean="0">
-                              <a:latin typeface="Cambria Math"/>
-                            </a:rPr>
-                            <m:t>1</m:t>
-                          </m:r>
+                          <m:sSub>
+                            <m:sSubPr>
+                              <m:ctrlPr>
+                                <a:rPr lang="en-US" sz="3200" b="0" i="1" smtClean="0">
+                                  <a:latin typeface="Cambria Math" panose="02040503050406030204" pitchFamily="18" charset="0"/>
+                                </a:rPr>
+                              </m:ctrlPr>
+                            </m:sSubPr>
+                            <m:e>
+                              <m:r>
+                                <a:rPr lang="en-US" sz="3200" b="0" i="1" smtClean="0">
+                                  <a:latin typeface="Cambria Math"/>
+                                </a:rPr>
+                                <m:t>𝐴</m:t>
+                              </m:r>
+                            </m:e>
+                            <m:sub>
+                              <m:r>
+                                <a:rPr lang="en-US" sz="3200" b="0" i="1" smtClean="0">
+                                  <a:latin typeface="Cambria Math"/>
+                                </a:rPr>
+                                <m:t>1</m:t>
+                              </m:r>
+                            </m:sub>
+                          </m:sSub>
                         </m:sub>
                       </m:sSub>
                     </m:oMath>
@@ -4800,7 +5119,7 @@
         <mc:Fallback>
           <p:sp>
             <p:nvSpPr>
-              <p:cNvPr id="67" name="TextBox 66"/>
+              <p:cNvPr id="93" name="TextBox 92"/>
               <p:cNvSpPr txBox="1">
                 <a:spLocks noRot="1" noChangeAspect="1" noMove="1" noResize="1" noEditPoints="1" noAdjustHandles="1" noChangeArrowheads="1" noChangeShapeType="1" noTextEdit="1"/>
               </p:cNvSpPr>
@@ -4808,14 +5127,14 @@
             </p:nvSpPr>
             <p:spPr>
               <a:xfrm>
-                <a:off x="3333109" y="222650"/>
-                <a:ext cx="718017" cy="584775"/>
+                <a:off x="6213907" y="177225"/>
+                <a:ext cx="842154" cy="627095"/>
               </a:xfrm>
               <a:prstGeom prst="rect">
                 <a:avLst/>
               </a:prstGeom>
-              <a:blipFill rotWithShape="0">
-                <a:blip r:embed="rId11"/>
+              <a:blipFill>
+                <a:blip r:embed="rId10"/>
                 <a:stretch>
                   <a:fillRect/>
                 </a:stretch>
@@ -4840,14 +5159,14 @@
         <mc:Choice xmlns:a14="http://schemas.microsoft.com/office/drawing/2010/main" Requires="a14">
           <p:sp>
             <p:nvSpPr>
-              <p:cNvPr id="68" name="TextBox 67"/>
+              <p:cNvPr id="94" name="TextBox 93"/>
               <p:cNvSpPr txBox="1"/>
               <p:nvPr/>
             </p:nvSpPr>
             <p:spPr>
               <a:xfrm>
-                <a:off x="3304856" y="1066568"/>
-                <a:ext cx="727507" cy="584775"/>
+                <a:off x="6172200" y="1015425"/>
+                <a:ext cx="842154" cy="627095"/>
               </a:xfrm>
               <a:prstGeom prst="rect">
                 <a:avLst/>
@@ -4878,18 +5197,37 @@
                         <m:e>
                           <m:r>
                             <a:rPr lang="en-US" sz="3200" b="0" i="1" smtClean="0">
-                              <a:latin typeface="Cambria Math"/>
+                              <a:latin typeface="Cambria Math" panose="02040503050406030204" pitchFamily="18" charset="0"/>
                             </a:rPr>
-                            <m:t>𝐷</m:t>
+                            <m:t>𝑃</m:t>
                           </m:r>
                         </m:e>
                         <m:sub>
-                          <m:r>
-                            <a:rPr lang="en-US" sz="3200" b="0" i="1" smtClean="0">
-                              <a:latin typeface="Cambria Math"/>
-                            </a:rPr>
-                            <m:t>2</m:t>
-                          </m:r>
+                          <m:sSub>
+                            <m:sSubPr>
+                              <m:ctrlPr>
+                                <a:rPr lang="en-US" sz="3200" b="0" i="1" smtClean="0">
+                                  <a:latin typeface="Cambria Math" panose="02040503050406030204" pitchFamily="18" charset="0"/>
+                                </a:rPr>
+                              </m:ctrlPr>
+                            </m:sSubPr>
+                            <m:e>
+                              <m:r>
+                                <a:rPr lang="en-US" sz="3200" b="0" i="1" smtClean="0">
+                                  <a:latin typeface="Cambria Math"/>
+                                </a:rPr>
+                                <m:t>𝐴</m:t>
+                              </m:r>
+                            </m:e>
+                            <m:sub>
+                              <m:r>
+                                <a:rPr lang="en-US" sz="3200" b="0" i="1" smtClean="0">
+                                  <a:latin typeface="Cambria Math"/>
+                                </a:rPr>
+                                <m:t>2</m:t>
+                              </m:r>
+                            </m:sub>
+                          </m:sSub>
                         </m:sub>
                       </m:sSub>
                     </m:oMath>
@@ -4903,7 +5241,7 @@
         <mc:Fallback>
           <p:sp>
             <p:nvSpPr>
-              <p:cNvPr id="68" name="TextBox 67"/>
+              <p:cNvPr id="94" name="TextBox 93"/>
               <p:cNvSpPr txBox="1">
                 <a:spLocks noRot="1" noChangeAspect="1" noMove="1" noResize="1" noEditPoints="1" noAdjustHandles="1" noChangeArrowheads="1" noChangeShapeType="1" noTextEdit="1"/>
               </p:cNvSpPr>
@@ -4911,14 +5249,14 @@
             </p:nvSpPr>
             <p:spPr>
               <a:xfrm>
-                <a:off x="3304856" y="1066568"/>
-                <a:ext cx="727507" cy="584775"/>
+                <a:off x="6172200" y="1015425"/>
+                <a:ext cx="842154" cy="627095"/>
               </a:xfrm>
               <a:prstGeom prst="rect">
                 <a:avLst/>
               </a:prstGeom>
-              <a:blipFill rotWithShape="0">
-                <a:blip r:embed="rId12"/>
+              <a:blipFill>
+                <a:blip r:embed="rId11"/>
                 <a:stretch>
                   <a:fillRect/>
                 </a:stretch>
@@ -4943,14 +5281,14 @@
         <mc:Choice xmlns:a14="http://schemas.microsoft.com/office/drawing/2010/main" Requires="a14">
           <p:sp>
             <p:nvSpPr>
-              <p:cNvPr id="69" name="Rectangle 68"/>
+              <p:cNvPr id="95" name="Rectangle 94"/>
               <p:cNvSpPr/>
               <p:nvPr/>
             </p:nvSpPr>
             <p:spPr>
               <a:xfrm>
-                <a:off x="3327788" y="2106344"/>
-                <a:ext cx="727507" cy="584775"/>
+                <a:off x="6213907" y="2057400"/>
+                <a:ext cx="842154" cy="629403"/>
               </a:xfrm>
               <a:prstGeom prst="rect">
                 <a:avLst/>
@@ -4980,18 +5318,37 @@
                         <m:e>
                           <m:r>
                             <a:rPr lang="en-US" sz="3200" b="0" i="1" smtClean="0">
-                              <a:latin typeface="Cambria Math"/>
+                              <a:latin typeface="Cambria Math" panose="02040503050406030204" pitchFamily="18" charset="0"/>
                             </a:rPr>
-                            <m:t>𝐷</m:t>
+                            <m:t>𝑃</m:t>
                           </m:r>
                         </m:e>
                         <m:sub>
-                          <m:r>
-                            <a:rPr lang="en-US" sz="3200" b="0" i="1" smtClean="0">
-                              <a:latin typeface="Cambria Math"/>
-                            </a:rPr>
-                            <m:t>3</m:t>
-                          </m:r>
+                          <m:sSub>
+                            <m:sSubPr>
+                              <m:ctrlPr>
+                                <a:rPr lang="en-US" sz="3200" b="0" i="1" smtClean="0">
+                                  <a:latin typeface="Cambria Math" panose="02040503050406030204" pitchFamily="18" charset="0"/>
+                                </a:rPr>
+                              </m:ctrlPr>
+                            </m:sSubPr>
+                            <m:e>
+                              <m:r>
+                                <a:rPr lang="en-US" sz="3200" b="0" i="1" smtClean="0">
+                                  <a:latin typeface="Cambria Math"/>
+                                </a:rPr>
+                                <m:t>𝐴</m:t>
+                              </m:r>
+                            </m:e>
+                            <m:sub>
+                              <m:r>
+                                <a:rPr lang="en-US" sz="3200" b="0" i="1" smtClean="0">
+                                  <a:latin typeface="Cambria Math"/>
+                                </a:rPr>
+                                <m:t>3</m:t>
+                              </m:r>
+                            </m:sub>
+                          </m:sSub>
                         </m:sub>
                       </m:sSub>
                     </m:oMath>
@@ -5005,7 +5362,7 @@
         <mc:Fallback>
           <p:sp>
             <p:nvSpPr>
-              <p:cNvPr id="69" name="Rectangle 68"/>
+              <p:cNvPr id="95" name="Rectangle 94"/>
               <p:cNvSpPr>
                 <a:spLocks noRot="1" noChangeAspect="1" noMove="1" noResize="1" noEditPoints="1" noAdjustHandles="1" noChangeArrowheads="1" noChangeShapeType="1" noTextEdit="1"/>
               </p:cNvSpPr>
@@ -5013,14 +5370,14 @@
             </p:nvSpPr>
             <p:spPr>
               <a:xfrm>
-                <a:off x="3327788" y="2106344"/>
-                <a:ext cx="727507" cy="584775"/>
+                <a:off x="6213907" y="2057400"/>
+                <a:ext cx="842154" cy="629403"/>
               </a:xfrm>
               <a:prstGeom prst="rect">
                 <a:avLst/>
               </a:prstGeom>
-              <a:blipFill rotWithShape="0">
-                <a:blip r:embed="rId13"/>
+              <a:blipFill>
+                <a:blip r:embed="rId12"/>
                 <a:stretch>
                   <a:fillRect/>
                 </a:stretch>
@@ -5045,14 +5402,14 @@
         <mc:Choice xmlns:a14="http://schemas.microsoft.com/office/drawing/2010/main" Requires="a14">
           <p:sp>
             <p:nvSpPr>
-              <p:cNvPr id="70" name="Rectangle 69"/>
+              <p:cNvPr id="96" name="Rectangle 95"/>
               <p:cNvSpPr/>
               <p:nvPr/>
             </p:nvSpPr>
             <p:spPr>
               <a:xfrm>
-                <a:off x="3333110" y="2948754"/>
-                <a:ext cx="727507" cy="584775"/>
+                <a:off x="6248400" y="2920425"/>
+                <a:ext cx="842154" cy="627095"/>
               </a:xfrm>
               <a:prstGeom prst="rect">
                 <a:avLst/>
@@ -5082,18 +5439,37 @@
                         <m:e>
                           <m:r>
                             <a:rPr lang="en-US" sz="3200" b="0" i="1" smtClean="0">
-                              <a:latin typeface="Cambria Math"/>
+                              <a:latin typeface="Cambria Math" panose="02040503050406030204" pitchFamily="18" charset="0"/>
                             </a:rPr>
-                            <m:t>𝐷</m:t>
+                            <m:t>𝑃</m:t>
                           </m:r>
                         </m:e>
                         <m:sub>
-                          <m:r>
-                            <a:rPr lang="en-US" sz="3200" b="0" i="1" smtClean="0">
-                              <a:latin typeface="Cambria Math"/>
-                            </a:rPr>
-                            <m:t>4</m:t>
-                          </m:r>
+                          <m:sSub>
+                            <m:sSubPr>
+                              <m:ctrlPr>
+                                <a:rPr lang="en-US" sz="3200" b="0" i="1" smtClean="0">
+                                  <a:latin typeface="Cambria Math" panose="02040503050406030204" pitchFamily="18" charset="0"/>
+                                </a:rPr>
+                              </m:ctrlPr>
+                            </m:sSubPr>
+                            <m:e>
+                              <m:r>
+                                <a:rPr lang="en-US" sz="3200" b="0" i="1" smtClean="0">
+                                  <a:latin typeface="Cambria Math"/>
+                                </a:rPr>
+                                <m:t>𝐴</m:t>
+                              </m:r>
+                            </m:e>
+                            <m:sub>
+                              <m:r>
+                                <a:rPr lang="en-US" sz="3200" b="0" i="1" smtClean="0">
+                                  <a:latin typeface="Cambria Math"/>
+                                </a:rPr>
+                                <m:t>4</m:t>
+                              </m:r>
+                            </m:sub>
+                          </m:sSub>
                         </m:sub>
                       </m:sSub>
                     </m:oMath>
@@ -5107,7 +5483,7 @@
         <mc:Fallback>
           <p:sp>
             <p:nvSpPr>
-              <p:cNvPr id="70" name="Rectangle 69"/>
+              <p:cNvPr id="96" name="Rectangle 95"/>
               <p:cNvSpPr>
                 <a:spLocks noRot="1" noChangeAspect="1" noMove="1" noResize="1" noEditPoints="1" noAdjustHandles="1" noChangeArrowheads="1" noChangeShapeType="1" noTextEdit="1"/>
               </p:cNvSpPr>
@@ -5115,14 +5491,14 @@
             </p:nvSpPr>
             <p:spPr>
               <a:xfrm>
-                <a:off x="3333110" y="2948754"/>
-                <a:ext cx="727507" cy="584775"/>
+                <a:off x="6248400" y="2920425"/>
+                <a:ext cx="842154" cy="627095"/>
               </a:xfrm>
               <a:prstGeom prst="rect">
                 <a:avLst/>
               </a:prstGeom>
-              <a:blipFill rotWithShape="0">
-                <a:blip r:embed="rId14"/>
+              <a:blipFill>
+                <a:blip r:embed="rId13"/>
                 <a:stretch>
                   <a:fillRect/>
                 </a:stretch>
@@ -5147,14 +5523,14 @@
         <mc:Choice xmlns:a14="http://schemas.microsoft.com/office/drawing/2010/main" Requires="a14">
           <p:sp>
             <p:nvSpPr>
-              <p:cNvPr id="71" name="TextBox 70"/>
+              <p:cNvPr id="97" name="TextBox 96"/>
               <p:cNvSpPr txBox="1"/>
               <p:nvPr/>
             </p:nvSpPr>
             <p:spPr>
               <a:xfrm>
-                <a:off x="9483293" y="304800"/>
-                <a:ext cx="718017" cy="584775"/>
+                <a:off x="9623216" y="687303"/>
+                <a:ext cx="859914" cy="627095"/>
               </a:xfrm>
               <a:prstGeom prst="rect">
                 <a:avLst/>
@@ -5185,18 +5561,37 @@
                         <m:e>
                           <m:r>
                             <a:rPr lang="en-US" sz="3200" b="0" i="1" smtClean="0">
-                              <a:latin typeface="Cambria Math"/>
+                              <a:latin typeface="Cambria Math" panose="02040503050406030204" pitchFamily="18" charset="0"/>
                             </a:rPr>
-                            <m:t>𝐷</m:t>
+                            <m:t>𝑃</m:t>
                           </m:r>
                         </m:e>
                         <m:sub>
-                          <m:r>
-                            <a:rPr lang="en-US" sz="3200" b="0" i="1" smtClean="0">
-                              <a:latin typeface="Cambria Math"/>
-                            </a:rPr>
-                            <m:t>1</m:t>
-                          </m:r>
+                          <m:sSub>
+                            <m:sSubPr>
+                              <m:ctrlPr>
+                                <a:rPr lang="en-US" sz="3200" b="0" i="1" smtClean="0">
+                                  <a:latin typeface="Cambria Math" panose="02040503050406030204" pitchFamily="18" charset="0"/>
+                                </a:rPr>
+                              </m:ctrlPr>
+                            </m:sSubPr>
+                            <m:e>
+                              <m:r>
+                                <a:rPr lang="en-US" sz="3200" b="0" i="1" smtClean="0">
+                                  <a:latin typeface="Cambria Math"/>
+                                </a:rPr>
+                                <m:t>𝐷</m:t>
+                              </m:r>
+                            </m:e>
+                            <m:sub>
+                              <m:r>
+                                <a:rPr lang="en-US" sz="3200" b="0" i="1" smtClean="0">
+                                  <a:latin typeface="Cambria Math"/>
+                                </a:rPr>
+                                <m:t>1</m:t>
+                              </m:r>
+                            </m:sub>
+                          </m:sSub>
                         </m:sub>
                       </m:sSub>
                     </m:oMath>
@@ -5210,7 +5605,7 @@
         <mc:Fallback>
           <p:sp>
             <p:nvSpPr>
-              <p:cNvPr id="71" name="TextBox 70"/>
+              <p:cNvPr id="97" name="TextBox 96"/>
               <p:cNvSpPr txBox="1">
                 <a:spLocks noRot="1" noChangeAspect="1" noMove="1" noResize="1" noEditPoints="1" noAdjustHandles="1" noChangeArrowheads="1" noChangeShapeType="1" noTextEdit="1"/>
               </p:cNvSpPr>
@@ -5218,14 +5613,14 @@
             </p:nvSpPr>
             <p:spPr>
               <a:xfrm>
-                <a:off x="9483293" y="304800"/>
-                <a:ext cx="718017" cy="584775"/>
+                <a:off x="9623216" y="687303"/>
+                <a:ext cx="859914" cy="627095"/>
               </a:xfrm>
               <a:prstGeom prst="rect">
                 <a:avLst/>
               </a:prstGeom>
-              <a:blipFill rotWithShape="0">
-                <a:blip r:embed="rId15"/>
+              <a:blipFill>
+                <a:blip r:embed="rId14"/>
                 <a:stretch>
                   <a:fillRect/>
                 </a:stretch>
@@ -5250,14 +5645,14 @@
         <mc:Choice xmlns:a14="http://schemas.microsoft.com/office/drawing/2010/main" Requires="a14">
           <p:sp>
             <p:nvSpPr>
-              <p:cNvPr id="72" name="TextBox 71"/>
+              <p:cNvPr id="98" name="TextBox 97"/>
               <p:cNvSpPr txBox="1"/>
               <p:nvPr/>
             </p:nvSpPr>
             <p:spPr>
               <a:xfrm>
-                <a:off x="9455040" y="1148718"/>
-                <a:ext cx="727507" cy="584775"/>
+                <a:off x="9594963" y="1531221"/>
+                <a:ext cx="859915" cy="627095"/>
               </a:xfrm>
               <a:prstGeom prst="rect">
                 <a:avLst/>
@@ -5288,18 +5683,37 @@
                         <m:e>
                           <m:r>
                             <a:rPr lang="en-US" sz="3200" b="0" i="1" smtClean="0">
-                              <a:latin typeface="Cambria Math"/>
+                              <a:latin typeface="Cambria Math" panose="02040503050406030204" pitchFamily="18" charset="0"/>
                             </a:rPr>
-                            <m:t>𝐷</m:t>
+                            <m:t>𝑃</m:t>
                           </m:r>
                         </m:e>
                         <m:sub>
-                          <m:r>
-                            <a:rPr lang="en-US" sz="3200" b="0" i="1" smtClean="0">
-                              <a:latin typeface="Cambria Math"/>
-                            </a:rPr>
-                            <m:t>2</m:t>
-                          </m:r>
+                          <m:sSub>
+                            <m:sSubPr>
+                              <m:ctrlPr>
+                                <a:rPr lang="en-US" sz="3200" b="0" i="1" smtClean="0">
+                                  <a:latin typeface="Cambria Math" panose="02040503050406030204" pitchFamily="18" charset="0"/>
+                                </a:rPr>
+                              </m:ctrlPr>
+                            </m:sSubPr>
+                            <m:e>
+                              <m:r>
+                                <a:rPr lang="en-US" sz="3200" b="0" i="1" smtClean="0">
+                                  <a:latin typeface="Cambria Math"/>
+                                </a:rPr>
+                                <m:t>𝐷</m:t>
+                              </m:r>
+                            </m:e>
+                            <m:sub>
+                              <m:r>
+                                <a:rPr lang="en-US" sz="3200" b="0" i="1" smtClean="0">
+                                  <a:latin typeface="Cambria Math"/>
+                                </a:rPr>
+                                <m:t>2</m:t>
+                              </m:r>
+                            </m:sub>
+                          </m:sSub>
                         </m:sub>
                       </m:sSub>
                     </m:oMath>
@@ -5313,7 +5727,7 @@
         <mc:Fallback>
           <p:sp>
             <p:nvSpPr>
-              <p:cNvPr id="72" name="TextBox 71"/>
+              <p:cNvPr id="98" name="TextBox 97"/>
               <p:cNvSpPr txBox="1">
                 <a:spLocks noRot="1" noChangeAspect="1" noMove="1" noResize="1" noEditPoints="1" noAdjustHandles="1" noChangeArrowheads="1" noChangeShapeType="1" noTextEdit="1"/>
               </p:cNvSpPr>
@@ -5321,14 +5735,14 @@
             </p:nvSpPr>
             <p:spPr>
               <a:xfrm>
-                <a:off x="9455040" y="1148718"/>
-                <a:ext cx="727507" cy="584775"/>
+                <a:off x="9594963" y="1531221"/>
+                <a:ext cx="859915" cy="627095"/>
               </a:xfrm>
               <a:prstGeom prst="rect">
                 <a:avLst/>
               </a:prstGeom>
-              <a:blipFill rotWithShape="0">
-                <a:blip r:embed="rId16"/>
+              <a:blipFill>
+                <a:blip r:embed="rId15"/>
                 <a:stretch>
                   <a:fillRect/>
                 </a:stretch>
@@ -5353,14 +5767,14 @@
         <mc:Choice xmlns:a14="http://schemas.microsoft.com/office/drawing/2010/main" Requires="a14">
           <p:sp>
             <p:nvSpPr>
-              <p:cNvPr id="73" name="Rectangle 72"/>
+              <p:cNvPr id="99" name="Rectangle 98"/>
               <p:cNvSpPr/>
               <p:nvPr/>
             </p:nvSpPr>
             <p:spPr>
               <a:xfrm>
-                <a:off x="9477972" y="2188494"/>
-                <a:ext cx="727507" cy="584775"/>
+                <a:off x="9617895" y="2570997"/>
+                <a:ext cx="859915" cy="629403"/>
               </a:xfrm>
               <a:prstGeom prst="rect">
                 <a:avLst/>
@@ -5390,18 +5804,37 @@
                         <m:e>
                           <m:r>
                             <a:rPr lang="en-US" sz="3200" b="0" i="1" smtClean="0">
-                              <a:latin typeface="Cambria Math"/>
+                              <a:latin typeface="Cambria Math" panose="02040503050406030204" pitchFamily="18" charset="0"/>
                             </a:rPr>
-                            <m:t>𝐷</m:t>
+                            <m:t>𝑃</m:t>
                           </m:r>
                         </m:e>
                         <m:sub>
-                          <m:r>
-                            <a:rPr lang="en-US" sz="3200" b="0" i="1" smtClean="0">
-                              <a:latin typeface="Cambria Math"/>
-                            </a:rPr>
-                            <m:t>3</m:t>
-                          </m:r>
+                          <m:sSub>
+                            <m:sSubPr>
+                              <m:ctrlPr>
+                                <a:rPr lang="en-US" sz="3200" b="0" i="1" smtClean="0">
+                                  <a:latin typeface="Cambria Math" panose="02040503050406030204" pitchFamily="18" charset="0"/>
+                                </a:rPr>
+                              </m:ctrlPr>
+                            </m:sSubPr>
+                            <m:e>
+                              <m:r>
+                                <a:rPr lang="en-US" sz="3200" b="0" i="1" smtClean="0">
+                                  <a:latin typeface="Cambria Math"/>
+                                </a:rPr>
+                                <m:t>𝐷</m:t>
+                              </m:r>
+                            </m:e>
+                            <m:sub>
+                              <m:r>
+                                <a:rPr lang="en-US" sz="3200" b="0" i="1" smtClean="0">
+                                  <a:latin typeface="Cambria Math"/>
+                                </a:rPr>
+                                <m:t>3</m:t>
+                              </m:r>
+                            </m:sub>
+                          </m:sSub>
                         </m:sub>
                       </m:sSub>
                     </m:oMath>
@@ -5415,7 +5848,7 @@
         <mc:Fallback>
           <p:sp>
             <p:nvSpPr>
-              <p:cNvPr id="73" name="Rectangle 72"/>
+              <p:cNvPr id="99" name="Rectangle 98"/>
               <p:cNvSpPr>
                 <a:spLocks noRot="1" noChangeAspect="1" noMove="1" noResize="1" noEditPoints="1" noAdjustHandles="1" noChangeArrowheads="1" noChangeShapeType="1" noTextEdit="1"/>
               </p:cNvSpPr>
@@ -5423,14 +5856,14 @@
             </p:nvSpPr>
             <p:spPr>
               <a:xfrm>
-                <a:off x="9477972" y="2188494"/>
-                <a:ext cx="727507" cy="584775"/>
+                <a:off x="9617895" y="2570997"/>
+                <a:ext cx="859915" cy="629403"/>
               </a:xfrm>
               <a:prstGeom prst="rect">
                 <a:avLst/>
               </a:prstGeom>
-              <a:blipFill rotWithShape="0">
-                <a:blip r:embed="rId17"/>
+              <a:blipFill>
+                <a:blip r:embed="rId16"/>
                 <a:stretch>
                   <a:fillRect/>
                 </a:stretch>
@@ -5451,117 +5884,57 @@
           </p:sp>
         </mc:Fallback>
       </mc:AlternateContent>
-      <mc:AlternateContent xmlns:mc="http://schemas.openxmlformats.org/markup-compatibility/2006">
-        <mc:Choice xmlns:a14="http://schemas.microsoft.com/office/drawing/2010/main" Requires="a14">
-          <p:sp>
-            <p:nvSpPr>
-              <p:cNvPr id="74" name="Rectangle 73"/>
-              <p:cNvSpPr/>
-              <p:nvPr/>
-            </p:nvSpPr>
-            <p:spPr>
-              <a:xfrm>
-                <a:off x="9483293" y="3030904"/>
-                <a:ext cx="727507" cy="584775"/>
-              </a:xfrm>
-              <a:prstGeom prst="rect">
-                <a:avLst/>
-              </a:prstGeom>
-            </p:spPr>
-            <p:txBody>
-              <a:bodyPr wrap="none">
-                <a:spAutoFit/>
-              </a:bodyPr>
-              <a:lstStyle/>
-              <a:p>
-                <a:pPr/>
-                <a14:m>
-                  <m:oMathPara xmlns:m="http://schemas.openxmlformats.org/officeDocument/2006/math">
-                    <m:oMathParaPr>
-                      <m:jc m:val="centerGroup"/>
-                    </m:oMathParaPr>
-                    <m:oMath xmlns:m="http://schemas.openxmlformats.org/officeDocument/2006/math">
-                      <m:sSub>
-                        <m:sSubPr>
-                          <m:ctrlPr>
-                            <a:rPr lang="en-US" sz="3200" b="0" i="1" smtClean="0">
-                              <a:latin typeface="Cambria Math" panose="02040503050406030204" pitchFamily="18" charset="0"/>
-                            </a:rPr>
-                          </m:ctrlPr>
-                        </m:sSubPr>
-                        <m:e>
-                          <m:r>
-                            <a:rPr lang="en-US" sz="3200" b="0" i="1" smtClean="0">
-                              <a:latin typeface="Cambria Math"/>
-                            </a:rPr>
-                            <m:t>𝐷</m:t>
-                          </m:r>
-                        </m:e>
-                        <m:sub>
-                          <m:r>
-                            <a:rPr lang="en-US" sz="3200" b="0" i="1" smtClean="0">
-                              <a:latin typeface="Cambria Math"/>
-                            </a:rPr>
-                            <m:t>4</m:t>
-                          </m:r>
-                        </m:sub>
-                      </m:sSub>
-                    </m:oMath>
-                  </m:oMathPara>
-                </a14:m>
-                <a:endParaRPr lang="en-US" sz="3200" dirty="0"/>
-              </a:p>
-            </p:txBody>
-          </p:sp>
-        </mc:Choice>
-        <mc:Fallback>
-          <p:sp>
-            <p:nvSpPr>
-              <p:cNvPr id="74" name="Rectangle 73"/>
-              <p:cNvSpPr>
-                <a:spLocks noRot="1" noChangeAspect="1" noMove="1" noResize="1" noEditPoints="1" noAdjustHandles="1" noChangeArrowheads="1" noChangeShapeType="1" noTextEdit="1"/>
-              </p:cNvSpPr>
-              <p:nvPr/>
-            </p:nvSpPr>
-            <p:spPr>
-              <a:xfrm>
-                <a:off x="9483293" y="3030904"/>
-                <a:ext cx="727507" cy="584775"/>
-              </a:xfrm>
-              <a:prstGeom prst="rect">
-                <a:avLst/>
-              </a:prstGeom>
-              <a:blipFill rotWithShape="0">
-                <a:blip r:embed="rId18"/>
-                <a:stretch>
-                  <a:fillRect/>
-                </a:stretch>
-              </a:blipFill>
-            </p:spPr>
-            <p:txBody>
-              <a:bodyPr/>
-              <a:lstStyle/>
-              <a:p>
-                <a:r>
-                  <a:rPr lang="en-US">
-                    <a:noFill/>
-                  </a:rPr>
-                  <a:t> </a:t>
-                </a:r>
-              </a:p>
-            </p:txBody>
-          </p:sp>
-        </mc:Fallback>
-      </mc:AlternateContent>
-      <p:sp>
-        <p:nvSpPr>
-          <p:cNvPr id="75" name="6-Point Star 74"/>
+      <p:sp>
+        <p:nvSpPr>
+          <p:cNvPr id="100" name="Plus 99"/>
           <p:cNvSpPr/>
           <p:nvPr/>
         </p:nvSpPr>
         <p:spPr>
           <a:xfrm>
-            <a:off x="3124200" y="3013286"/>
+            <a:off x="6732938" y="3013286"/>
+            <a:ext cx="304800" cy="304800"/>
+          </a:xfrm>
+          <a:prstGeom prst="mathPlus">
+            <a:avLst>
+              <a:gd name="adj1" fmla="val 18568"/>
+            </a:avLst>
+          </a:prstGeom>
+        </p:spPr>
+        <p:style>
+          <a:lnRef idx="2">
+            <a:schemeClr val="accent2">
+              <a:shade val="50000"/>
+            </a:schemeClr>
+          </a:lnRef>
+          <a:fillRef idx="1">
+            <a:schemeClr val="accent2"/>
+          </a:fillRef>
+          <a:effectRef idx="0">
+            <a:schemeClr val="accent2"/>
+          </a:effectRef>
+          <a:fontRef idx="minor">
+            <a:schemeClr val="lt1"/>
+          </a:fontRef>
+        </p:style>
+        <p:txBody>
+          <a:bodyPr rtlCol="0" anchor="ctr"/>
+          <a:lstStyle/>
+          <a:p>
+            <a:pPr algn="ctr"/>
+            <a:endParaRPr lang="en-US" sz="3200"/>
+          </a:p>
+        </p:txBody>
+      </p:sp>
+      <p:sp>
+        <p:nvSpPr>
+          <p:cNvPr id="101" name="6-Point Star 100"/>
+          <p:cNvSpPr/>
+          <p:nvPr/>
+        </p:nvSpPr>
+        <p:spPr>
+          <a:xfrm>
+            <a:off x="9414307" y="2598253"/>
             <a:ext cx="256032" cy="301752"/>
           </a:xfrm>
           <a:prstGeom prst="star6">
@@ -5598,13 +5971,13 @@
       </p:sp>
       <p:sp>
         <p:nvSpPr>
-          <p:cNvPr id="76" name="Plus 75"/>
+          <p:cNvPr id="102" name="Plus 101"/>
           <p:cNvSpPr/>
           <p:nvPr/>
         </p:nvSpPr>
         <p:spPr>
           <a:xfrm>
-            <a:off x="442831" y="3013286"/>
+            <a:off x="6732938" y="2133600"/>
             <a:ext cx="304800" cy="304800"/>
           </a:xfrm>
           <a:prstGeom prst="mathPlus">
@@ -5640,13 +6013,13 @@
       </p:sp>
       <p:sp>
         <p:nvSpPr>
-          <p:cNvPr id="77" name="6-Point Star 76"/>
+          <p:cNvPr id="103" name="6-Point Star 102"/>
           <p:cNvSpPr/>
           <p:nvPr/>
         </p:nvSpPr>
         <p:spPr>
           <a:xfrm>
-            <a:off x="3124200" y="2133600"/>
+            <a:off x="9418063" y="1637030"/>
             <a:ext cx="256032" cy="301752"/>
           </a:xfrm>
           <a:prstGeom prst="star6">
@@ -5683,13 +6056,13 @@
       </p:sp>
       <p:sp>
         <p:nvSpPr>
-          <p:cNvPr id="78" name="Plus 77"/>
+          <p:cNvPr id="104" name="Plus 103"/>
           <p:cNvSpPr/>
           <p:nvPr/>
         </p:nvSpPr>
         <p:spPr>
           <a:xfrm>
-            <a:off x="442831" y="2133600"/>
+            <a:off x="6736694" y="1172377"/>
             <a:ext cx="304800" cy="304800"/>
           </a:xfrm>
           <a:prstGeom prst="mathPlus">
@@ -5725,13 +6098,13 @@
       </p:sp>
       <p:sp>
         <p:nvSpPr>
-          <p:cNvPr id="107" name="6-Point Star 106"/>
+          <p:cNvPr id="105" name="6-Point Star 104"/>
           <p:cNvSpPr/>
           <p:nvPr/>
         </p:nvSpPr>
         <p:spPr>
           <a:xfrm>
-            <a:off x="3127956" y="1172377"/>
+            <a:off x="9418716" y="754883"/>
             <a:ext cx="256032" cy="301752"/>
           </a:xfrm>
           <a:prstGeom prst="star6">
@@ -5768,13 +6141,13 @@
       </p:sp>
       <p:sp>
         <p:nvSpPr>
-          <p:cNvPr id="108" name="Plus 107"/>
+          <p:cNvPr id="106" name="Plus 105"/>
           <p:cNvSpPr/>
           <p:nvPr/>
         </p:nvSpPr>
         <p:spPr>
           <a:xfrm>
-            <a:off x="446587" y="1172377"/>
+            <a:off x="6737347" y="290230"/>
             <a:ext cx="304800" cy="304800"/>
           </a:xfrm>
           <a:prstGeom prst="mathPlus">
@@ -5794,471 +6167,6 @@
           </a:fillRef>
           <a:effectRef idx="0">
             <a:schemeClr val="accent2"/>
-          </a:effectRef>
-          <a:fontRef idx="minor">
-            <a:schemeClr val="lt1"/>
-          </a:fontRef>
-        </p:style>
-        <p:txBody>
-          <a:bodyPr rtlCol="0" anchor="ctr"/>
-          <a:lstStyle/>
-          <a:p>
-            <a:pPr algn="ctr"/>
-            <a:endParaRPr lang="en-US" sz="3200"/>
-          </a:p>
-        </p:txBody>
-      </p:sp>
-      <p:sp>
-        <p:nvSpPr>
-          <p:cNvPr id="109" name="6-Point Star 108"/>
-          <p:cNvSpPr/>
-          <p:nvPr/>
-        </p:nvSpPr>
-        <p:spPr>
-          <a:xfrm>
-            <a:off x="3128609" y="290230"/>
-            <a:ext cx="256032" cy="301752"/>
-          </a:xfrm>
-          <a:prstGeom prst="star6">
-            <a:avLst>
-              <a:gd name="adj" fmla="val 16368"/>
-              <a:gd name="hf" fmla="val 115470"/>
-            </a:avLst>
-          </a:prstGeom>
-        </p:spPr>
-        <p:style>
-          <a:lnRef idx="2">
-            <a:schemeClr val="accent1">
-              <a:shade val="50000"/>
-            </a:schemeClr>
-          </a:lnRef>
-          <a:fillRef idx="1">
-            <a:schemeClr val="accent1"/>
-          </a:fillRef>
-          <a:effectRef idx="0">
-            <a:schemeClr val="accent1"/>
-          </a:effectRef>
-          <a:fontRef idx="minor">
-            <a:schemeClr val="lt1"/>
-          </a:fontRef>
-        </p:style>
-        <p:txBody>
-          <a:bodyPr rtlCol="0" anchor="ctr"/>
-          <a:lstStyle/>
-          <a:p>
-            <a:pPr algn="ctr"/>
-            <a:endParaRPr lang="en-US" sz="3200"/>
-          </a:p>
-        </p:txBody>
-      </p:sp>
-      <p:sp>
-        <p:nvSpPr>
-          <p:cNvPr id="110" name="Plus 109"/>
-          <p:cNvSpPr/>
-          <p:nvPr/>
-        </p:nvSpPr>
-        <p:spPr>
-          <a:xfrm>
-            <a:off x="447240" y="290230"/>
-            <a:ext cx="304800" cy="304800"/>
-          </a:xfrm>
-          <a:prstGeom prst="mathPlus">
-            <a:avLst>
-              <a:gd name="adj1" fmla="val 18568"/>
-            </a:avLst>
-          </a:prstGeom>
-        </p:spPr>
-        <p:style>
-          <a:lnRef idx="2">
-            <a:schemeClr val="accent2">
-              <a:shade val="50000"/>
-            </a:schemeClr>
-          </a:lnRef>
-          <a:fillRef idx="1">
-            <a:schemeClr val="accent2"/>
-          </a:fillRef>
-          <a:effectRef idx="0">
-            <a:schemeClr val="accent2"/>
-          </a:effectRef>
-          <a:fontRef idx="minor">
-            <a:schemeClr val="lt1"/>
-          </a:fontRef>
-        </p:style>
-        <p:txBody>
-          <a:bodyPr rtlCol="0" anchor="ctr"/>
-          <a:lstStyle/>
-          <a:p>
-            <a:pPr algn="ctr"/>
-            <a:endParaRPr lang="en-US" sz="3200"/>
-          </a:p>
-        </p:txBody>
-      </p:sp>
-      <p:sp>
-        <p:nvSpPr>
-          <p:cNvPr id="121" name="6-Point Star 120"/>
-          <p:cNvSpPr/>
-          <p:nvPr/>
-        </p:nvSpPr>
-        <p:spPr>
-          <a:xfrm>
-            <a:off x="9254636" y="3044362"/>
-            <a:ext cx="256032" cy="301752"/>
-          </a:xfrm>
-          <a:prstGeom prst="star6">
-            <a:avLst>
-              <a:gd name="adj" fmla="val 16368"/>
-              <a:gd name="hf" fmla="val 115470"/>
-            </a:avLst>
-          </a:prstGeom>
-        </p:spPr>
-        <p:style>
-          <a:lnRef idx="2">
-            <a:schemeClr val="accent1">
-              <a:shade val="50000"/>
-            </a:schemeClr>
-          </a:lnRef>
-          <a:fillRef idx="1">
-            <a:schemeClr val="accent1"/>
-          </a:fillRef>
-          <a:effectRef idx="0">
-            <a:schemeClr val="accent1"/>
-          </a:effectRef>
-          <a:fontRef idx="minor">
-            <a:schemeClr val="lt1"/>
-          </a:fontRef>
-        </p:style>
-        <p:txBody>
-          <a:bodyPr rtlCol="0" anchor="ctr"/>
-          <a:lstStyle/>
-          <a:p>
-            <a:pPr algn="ctr"/>
-            <a:endParaRPr lang="en-US" sz="3200"/>
-          </a:p>
-        </p:txBody>
-      </p:sp>
-      <p:sp>
-        <p:nvSpPr>
-          <p:cNvPr id="122" name="Plus 121"/>
-          <p:cNvSpPr/>
-          <p:nvPr/>
-        </p:nvSpPr>
-        <p:spPr>
-          <a:xfrm>
-            <a:off x="6573267" y="3044362"/>
-            <a:ext cx="304800" cy="304800"/>
-          </a:xfrm>
-          <a:prstGeom prst="mathPlus">
-            <a:avLst>
-              <a:gd name="adj1" fmla="val 18568"/>
-            </a:avLst>
-          </a:prstGeom>
-        </p:spPr>
-        <p:style>
-          <a:lnRef idx="2">
-            <a:schemeClr val="accent2">
-              <a:shade val="50000"/>
-            </a:schemeClr>
-          </a:lnRef>
-          <a:fillRef idx="1">
-            <a:schemeClr val="accent2"/>
-          </a:fillRef>
-          <a:effectRef idx="0">
-            <a:schemeClr val="accent2"/>
-          </a:effectRef>
-          <a:fontRef idx="minor">
-            <a:schemeClr val="lt1"/>
-          </a:fontRef>
-        </p:style>
-        <p:txBody>
-          <a:bodyPr rtlCol="0" anchor="ctr"/>
-          <a:lstStyle/>
-          <a:p>
-            <a:pPr algn="ctr"/>
-            <a:endParaRPr lang="en-US" sz="3200"/>
-          </a:p>
-        </p:txBody>
-      </p:sp>
-      <p:sp>
-        <p:nvSpPr>
-          <p:cNvPr id="123" name="6-Point Star 122"/>
-          <p:cNvSpPr/>
-          <p:nvPr/>
-        </p:nvSpPr>
-        <p:spPr>
-          <a:xfrm>
-            <a:off x="9254636" y="2164676"/>
-            <a:ext cx="256032" cy="301752"/>
-          </a:xfrm>
-          <a:prstGeom prst="star6">
-            <a:avLst>
-              <a:gd name="adj" fmla="val 16368"/>
-              <a:gd name="hf" fmla="val 115470"/>
-            </a:avLst>
-          </a:prstGeom>
-        </p:spPr>
-        <p:style>
-          <a:lnRef idx="2">
-            <a:schemeClr val="accent1">
-              <a:shade val="50000"/>
-            </a:schemeClr>
-          </a:lnRef>
-          <a:fillRef idx="1">
-            <a:schemeClr val="accent1"/>
-          </a:fillRef>
-          <a:effectRef idx="0">
-            <a:schemeClr val="accent1"/>
-          </a:effectRef>
-          <a:fontRef idx="minor">
-            <a:schemeClr val="lt1"/>
-          </a:fontRef>
-        </p:style>
-        <p:txBody>
-          <a:bodyPr rtlCol="0" anchor="ctr"/>
-          <a:lstStyle/>
-          <a:p>
-            <a:pPr algn="ctr"/>
-            <a:endParaRPr lang="en-US" sz="3200"/>
-          </a:p>
-        </p:txBody>
-      </p:sp>
-      <p:sp>
-        <p:nvSpPr>
-          <p:cNvPr id="124" name="Plus 123"/>
-          <p:cNvSpPr/>
-          <p:nvPr/>
-        </p:nvSpPr>
-        <p:spPr>
-          <a:xfrm>
-            <a:off x="6573267" y="2164676"/>
-            <a:ext cx="304800" cy="304800"/>
-          </a:xfrm>
-          <a:prstGeom prst="mathPlus">
-            <a:avLst>
-              <a:gd name="adj1" fmla="val 18568"/>
-            </a:avLst>
-          </a:prstGeom>
-        </p:spPr>
-        <p:style>
-          <a:lnRef idx="2">
-            <a:schemeClr val="accent2">
-              <a:shade val="50000"/>
-            </a:schemeClr>
-          </a:lnRef>
-          <a:fillRef idx="1">
-            <a:schemeClr val="accent2"/>
-          </a:fillRef>
-          <a:effectRef idx="0">
-            <a:schemeClr val="accent2"/>
-          </a:effectRef>
-          <a:fontRef idx="minor">
-            <a:schemeClr val="lt1"/>
-          </a:fontRef>
-        </p:style>
-        <p:txBody>
-          <a:bodyPr rtlCol="0" anchor="ctr"/>
-          <a:lstStyle/>
-          <a:p>
-            <a:pPr algn="ctr"/>
-            <a:endParaRPr lang="en-US" sz="3200"/>
-          </a:p>
-        </p:txBody>
-      </p:sp>
-      <p:sp>
-        <p:nvSpPr>
-          <p:cNvPr id="125" name="6-Point Star 124"/>
-          <p:cNvSpPr/>
-          <p:nvPr/>
-        </p:nvSpPr>
-        <p:spPr>
-          <a:xfrm>
-            <a:off x="9258392" y="1203453"/>
-            <a:ext cx="256032" cy="301752"/>
-          </a:xfrm>
-          <a:prstGeom prst="star6">
-            <a:avLst>
-              <a:gd name="adj" fmla="val 16368"/>
-              <a:gd name="hf" fmla="val 115470"/>
-            </a:avLst>
-          </a:prstGeom>
-        </p:spPr>
-        <p:style>
-          <a:lnRef idx="2">
-            <a:schemeClr val="accent1">
-              <a:shade val="50000"/>
-            </a:schemeClr>
-          </a:lnRef>
-          <a:fillRef idx="1">
-            <a:schemeClr val="accent1"/>
-          </a:fillRef>
-          <a:effectRef idx="0">
-            <a:schemeClr val="accent1"/>
-          </a:effectRef>
-          <a:fontRef idx="minor">
-            <a:schemeClr val="lt1"/>
-          </a:fontRef>
-        </p:style>
-        <p:txBody>
-          <a:bodyPr rtlCol="0" anchor="ctr"/>
-          <a:lstStyle/>
-          <a:p>
-            <a:pPr algn="ctr"/>
-            <a:endParaRPr lang="en-US" sz="3200"/>
-          </a:p>
-        </p:txBody>
-      </p:sp>
-      <p:sp>
-        <p:nvSpPr>
-          <p:cNvPr id="126" name="Plus 125"/>
-          <p:cNvSpPr/>
-          <p:nvPr/>
-        </p:nvSpPr>
-        <p:spPr>
-          <a:xfrm>
-            <a:off x="6577023" y="1203453"/>
-            <a:ext cx="304800" cy="304800"/>
-          </a:xfrm>
-          <a:prstGeom prst="mathPlus">
-            <a:avLst>
-              <a:gd name="adj1" fmla="val 18568"/>
-            </a:avLst>
-          </a:prstGeom>
-        </p:spPr>
-        <p:style>
-          <a:lnRef idx="2">
-            <a:schemeClr val="accent2">
-              <a:shade val="50000"/>
-            </a:schemeClr>
-          </a:lnRef>
-          <a:fillRef idx="1">
-            <a:schemeClr val="accent2"/>
-          </a:fillRef>
-          <a:effectRef idx="0">
-            <a:schemeClr val="accent2"/>
-          </a:effectRef>
-          <a:fontRef idx="minor">
-            <a:schemeClr val="lt1"/>
-          </a:fontRef>
-        </p:style>
-        <p:txBody>
-          <a:bodyPr rtlCol="0" anchor="ctr"/>
-          <a:lstStyle/>
-          <a:p>
-            <a:pPr algn="ctr"/>
-            <a:endParaRPr lang="en-US" sz="3200"/>
-          </a:p>
-        </p:txBody>
-      </p:sp>
-      <p:sp>
-        <p:nvSpPr>
-          <p:cNvPr id="127" name="6-Point Star 126"/>
-          <p:cNvSpPr/>
-          <p:nvPr/>
-        </p:nvSpPr>
-        <p:spPr>
-          <a:xfrm>
-            <a:off x="9259045" y="321306"/>
-            <a:ext cx="256032" cy="301752"/>
-          </a:xfrm>
-          <a:prstGeom prst="star6">
-            <a:avLst>
-              <a:gd name="adj" fmla="val 16368"/>
-              <a:gd name="hf" fmla="val 115470"/>
-            </a:avLst>
-          </a:prstGeom>
-        </p:spPr>
-        <p:style>
-          <a:lnRef idx="2">
-            <a:schemeClr val="accent1">
-              <a:shade val="50000"/>
-            </a:schemeClr>
-          </a:lnRef>
-          <a:fillRef idx="1">
-            <a:schemeClr val="accent1"/>
-          </a:fillRef>
-          <a:effectRef idx="0">
-            <a:schemeClr val="accent1"/>
-          </a:effectRef>
-          <a:fontRef idx="minor">
-            <a:schemeClr val="lt1"/>
-          </a:fontRef>
-        </p:style>
-        <p:txBody>
-          <a:bodyPr rtlCol="0" anchor="ctr"/>
-          <a:lstStyle/>
-          <a:p>
-            <a:pPr algn="ctr"/>
-            <a:endParaRPr lang="en-US" sz="3200"/>
-          </a:p>
-        </p:txBody>
-      </p:sp>
-      <p:sp>
-        <p:nvSpPr>
-          <p:cNvPr id="128" name="Plus 127"/>
-          <p:cNvSpPr/>
-          <p:nvPr/>
-        </p:nvSpPr>
-        <p:spPr>
-          <a:xfrm>
-            <a:off x="6577676" y="321306"/>
-            <a:ext cx="304800" cy="304800"/>
-          </a:xfrm>
-          <a:prstGeom prst="mathPlus">
-            <a:avLst>
-              <a:gd name="adj1" fmla="val 18568"/>
-            </a:avLst>
-          </a:prstGeom>
-        </p:spPr>
-        <p:style>
-          <a:lnRef idx="2">
-            <a:schemeClr val="accent2">
-              <a:shade val="50000"/>
-            </a:schemeClr>
-          </a:lnRef>
-          <a:fillRef idx="1">
-            <a:schemeClr val="accent2"/>
-          </a:fillRef>
-          <a:effectRef idx="0">
-            <a:schemeClr val="accent2"/>
-          </a:effectRef>
-          <a:fontRef idx="minor">
-            <a:schemeClr val="lt1"/>
-          </a:fontRef>
-        </p:style>
-        <p:txBody>
-          <a:bodyPr rtlCol="0" anchor="ctr"/>
-          <a:lstStyle/>
-          <a:p>
-            <a:pPr algn="ctr"/>
-            <a:endParaRPr lang="en-US" sz="3200"/>
-          </a:p>
-        </p:txBody>
-      </p:sp>
-      <p:sp>
-        <p:nvSpPr>
-          <p:cNvPr id="129" name="Right Arrow 128"/>
-          <p:cNvSpPr/>
-          <p:nvPr/>
-        </p:nvSpPr>
-        <p:spPr>
-          <a:xfrm>
-            <a:off x="4061739" y="1948934"/>
-            <a:ext cx="2116699" cy="393792"/>
-          </a:xfrm>
-          <a:prstGeom prst="rightArrow">
-            <a:avLst/>
-          </a:prstGeom>
-        </p:spPr>
-        <p:style>
-          <a:lnRef idx="2">
-            <a:schemeClr val="accent3">
-              <a:shade val="50000"/>
-            </a:schemeClr>
-          </a:lnRef>
-          <a:fillRef idx="1">
-            <a:schemeClr val="accent3"/>
-          </a:fillRef>
-          <a:effectRef idx="0">
-            <a:schemeClr val="accent3"/>
           </a:effectRef>
           <a:fontRef idx="minor">
             <a:schemeClr val="lt1"/>
